--- a/address_label_pattern.pptx
+++ b/address_label_pattern.pptx
@@ -2,12 +2,12 @@
 <file path=ppt/presentation.xml><?xml version="1.0" encoding="utf-8"?>
 <p:presentation xmlns:a="http://schemas.openxmlformats.org/drawingml/2006/main" xmlns:r="http://schemas.openxmlformats.org/officeDocument/2006/relationships" xmlns:p="http://schemas.openxmlformats.org/presentationml/2006/main" saveSubsetFonts="1" autoCompressPictures="0">
   <p:sldMasterIdLst>
-    <p:sldMasterId id="2147483660" r:id="rId1"/>
+    <p:sldMasterId id="2147483672" r:id="rId1"/>
   </p:sldMasterIdLst>
   <p:sldIdLst>
     <p:sldId id="256" r:id="rId2"/>
   </p:sldIdLst>
-  <p:sldSz cx="2971800" cy="4572000" type="hagakiCard"/>
+  <p:sldSz cx="3603625" cy="5330825"/>
   <p:notesSz cx="6858000" cy="9144000"/>
   <p:defaultTextStyle>
     <a:defPPr>
@@ -141,15 +141,15 @@
         </p:nvSpPr>
         <p:spPr>
           <a:xfrm>
-            <a:off x="222885" y="748242"/>
-            <a:ext cx="2526030" cy="1591733"/>
+            <a:off x="270272" y="872429"/>
+            <a:ext cx="3063081" cy="1855917"/>
           </a:xfrm>
         </p:spPr>
         <p:txBody>
           <a:bodyPr anchor="b"/>
           <a:lstStyle>
             <a:lvl1pPr algn="ctr">
-              <a:defRPr sz="1950"/>
+              <a:defRPr sz="2365"/>
             </a:lvl1pPr>
           </a:lstStyle>
           <a:p>
@@ -173,8 +173,8 @@
         </p:nvSpPr>
         <p:spPr>
           <a:xfrm>
-            <a:off x="371475" y="2401359"/>
-            <a:ext cx="2228850" cy="1103841"/>
+            <a:off x="450453" y="2799918"/>
+            <a:ext cx="2702719" cy="1287048"/>
           </a:xfrm>
         </p:spPr>
         <p:txBody>
@@ -182,39 +182,39 @@
           <a:lstStyle>
             <a:lvl1pPr marL="0" indent="0" algn="ctr">
               <a:buNone/>
-              <a:defRPr sz="780"/>
+              <a:defRPr sz="946"/>
             </a:lvl1pPr>
-            <a:lvl2pPr marL="148590" indent="0" algn="ctr">
-              <a:buNone/>
-              <a:defRPr sz="650"/>
+            <a:lvl2pPr marL="180183" indent="0" algn="ctr">
+              <a:buNone/>
+              <a:defRPr sz="788"/>
             </a:lvl2pPr>
-            <a:lvl3pPr marL="297180" indent="0" algn="ctr">
-              <a:buNone/>
-              <a:defRPr sz="585"/>
+            <a:lvl3pPr marL="360365" indent="0" algn="ctr">
+              <a:buNone/>
+              <a:defRPr sz="709"/>
             </a:lvl3pPr>
-            <a:lvl4pPr marL="445770" indent="0" algn="ctr">
-              <a:buNone/>
-              <a:defRPr sz="520"/>
+            <a:lvl4pPr marL="540548" indent="0" algn="ctr">
+              <a:buNone/>
+              <a:defRPr sz="631"/>
             </a:lvl4pPr>
-            <a:lvl5pPr marL="594360" indent="0" algn="ctr">
-              <a:buNone/>
-              <a:defRPr sz="520"/>
+            <a:lvl5pPr marL="720730" indent="0" algn="ctr">
+              <a:buNone/>
+              <a:defRPr sz="631"/>
             </a:lvl5pPr>
-            <a:lvl6pPr marL="742950" indent="0" algn="ctr">
-              <a:buNone/>
-              <a:defRPr sz="520"/>
+            <a:lvl6pPr marL="900913" indent="0" algn="ctr">
+              <a:buNone/>
+              <a:defRPr sz="631"/>
             </a:lvl6pPr>
-            <a:lvl7pPr marL="891540" indent="0" algn="ctr">
-              <a:buNone/>
-              <a:defRPr sz="520"/>
+            <a:lvl7pPr marL="1081095" indent="0" algn="ctr">
+              <a:buNone/>
+              <a:defRPr sz="631"/>
             </a:lvl7pPr>
-            <a:lvl8pPr marL="1040130" indent="0" algn="ctr">
-              <a:buNone/>
-              <a:defRPr sz="520"/>
+            <a:lvl8pPr marL="1261278" indent="0" algn="ctr">
+              <a:buNone/>
+              <a:defRPr sz="631"/>
             </a:lvl8pPr>
-            <a:lvl9pPr marL="1188720" indent="0" algn="ctr">
-              <a:buNone/>
-              <a:defRPr sz="520"/>
+            <a:lvl9pPr marL="1441460" indent="0" algn="ctr">
+              <a:buNone/>
+              <a:defRPr sz="631"/>
             </a:lvl9pPr>
           </a:lstStyle>
           <a:p>
@@ -243,7 +243,7 @@
           <a:p>
             <a:fld id="{8F6FD536-DA29-9D48-B6E3-F9DD379446EF}" type="datetimeFigureOut">
               <a:rPr kumimoji="1" lang="ja-JP" altLang="en-US" smtClean="0"/>
-              <a:t>2022/12/28</a:t>
+              <a:t>2022/12/29</a:t>
             </a:fld>
             <a:endParaRPr kumimoji="1" lang="ja-JP" altLang="en-US"/>
           </a:p>
@@ -294,7 +294,7 @@
     </p:spTree>
     <p:extLst>
       <p:ext uri="{BB962C8B-B14F-4D97-AF65-F5344CB8AC3E}">
-        <p14:creationId xmlns:p14="http://schemas.microsoft.com/office/powerpoint/2010/main" val="1837418403"/>
+        <p14:creationId xmlns:p14="http://schemas.microsoft.com/office/powerpoint/2010/main" val="2519059687"/>
       </p:ext>
     </p:extLst>
   </p:cSld>
@@ -445,7 +445,7 @@
           <a:p>
             <a:fld id="{8F6FD536-DA29-9D48-B6E3-F9DD379446EF}" type="datetimeFigureOut">
               <a:rPr kumimoji="1" lang="ja-JP" altLang="en-US" smtClean="0"/>
-              <a:t>2022/12/28</a:t>
+              <a:t>2022/12/29</a:t>
             </a:fld>
             <a:endParaRPr kumimoji="1" lang="ja-JP" altLang="en-US"/>
           </a:p>
@@ -496,7 +496,7 @@
     </p:spTree>
     <p:extLst>
       <p:ext uri="{BB962C8B-B14F-4D97-AF65-F5344CB8AC3E}">
-        <p14:creationId xmlns:p14="http://schemas.microsoft.com/office/powerpoint/2010/main" val="3704723465"/>
+        <p14:creationId xmlns:p14="http://schemas.microsoft.com/office/powerpoint/2010/main" val="777590658"/>
       </p:ext>
     </p:extLst>
   </p:cSld>
@@ -535,8 +535,8 @@
         </p:nvSpPr>
         <p:spPr>
           <a:xfrm>
-            <a:off x="2126695" y="243417"/>
-            <a:ext cx="640794" cy="3874559"/>
+            <a:off x="2578844" y="283817"/>
+            <a:ext cx="777032" cy="4517628"/>
           </a:xfrm>
         </p:spPr>
         <p:txBody>
@@ -563,8 +563,8 @@
         </p:nvSpPr>
         <p:spPr>
           <a:xfrm>
-            <a:off x="204311" y="243417"/>
-            <a:ext cx="1885236" cy="3874559"/>
+            <a:off x="247749" y="283817"/>
+            <a:ext cx="2286050" cy="4517628"/>
           </a:xfrm>
         </p:spPr>
         <p:txBody>
@@ -657,7 +657,7 @@
           <a:p>
             <a:fld id="{8F6FD536-DA29-9D48-B6E3-F9DD379446EF}" type="datetimeFigureOut">
               <a:rPr kumimoji="1" lang="ja-JP" altLang="en-US" smtClean="0"/>
-              <a:t>2022/12/28</a:t>
+              <a:t>2022/12/29</a:t>
             </a:fld>
             <a:endParaRPr kumimoji="1" lang="ja-JP" altLang="en-US"/>
           </a:p>
@@ -708,7 +708,7 @@
     </p:spTree>
     <p:extLst>
       <p:ext uri="{BB962C8B-B14F-4D97-AF65-F5344CB8AC3E}">
-        <p14:creationId xmlns:p14="http://schemas.microsoft.com/office/powerpoint/2010/main" val="620278904"/>
+        <p14:creationId xmlns:p14="http://schemas.microsoft.com/office/powerpoint/2010/main" val="2283025579"/>
       </p:ext>
     </p:extLst>
   </p:cSld>
@@ -859,7 +859,7 @@
           <a:p>
             <a:fld id="{8F6FD536-DA29-9D48-B6E3-F9DD379446EF}" type="datetimeFigureOut">
               <a:rPr kumimoji="1" lang="ja-JP" altLang="en-US" smtClean="0"/>
-              <a:t>2022/12/28</a:t>
+              <a:t>2022/12/29</a:t>
             </a:fld>
             <a:endParaRPr kumimoji="1" lang="ja-JP" altLang="en-US"/>
           </a:p>
@@ -910,7 +910,7 @@
     </p:spTree>
     <p:extLst>
       <p:ext uri="{BB962C8B-B14F-4D97-AF65-F5344CB8AC3E}">
-        <p14:creationId xmlns:p14="http://schemas.microsoft.com/office/powerpoint/2010/main" val="1911120272"/>
+        <p14:creationId xmlns:p14="http://schemas.microsoft.com/office/powerpoint/2010/main" val="623130045"/>
       </p:ext>
     </p:extLst>
   </p:cSld>
@@ -949,15 +949,15 @@
         </p:nvSpPr>
         <p:spPr>
           <a:xfrm>
-            <a:off x="202763" y="1139826"/>
-            <a:ext cx="2563178" cy="1901825"/>
+            <a:off x="245872" y="1329006"/>
+            <a:ext cx="3108127" cy="2217475"/>
           </a:xfrm>
         </p:spPr>
         <p:txBody>
           <a:bodyPr anchor="b"/>
           <a:lstStyle>
             <a:lvl1pPr>
-              <a:defRPr sz="1950"/>
+              <a:defRPr sz="2365"/>
             </a:lvl1pPr>
           </a:lstStyle>
           <a:p>
@@ -981,8 +981,8 @@
         </p:nvSpPr>
         <p:spPr>
           <a:xfrm>
-            <a:off x="202763" y="3059643"/>
-            <a:ext cx="2563178" cy="1000125"/>
+            <a:off x="245872" y="3567459"/>
+            <a:ext cx="3108127" cy="1166118"/>
           </a:xfrm>
         </p:spPr>
         <p:txBody>
@@ -990,15 +990,15 @@
           <a:lstStyle>
             <a:lvl1pPr marL="0" indent="0">
               <a:buNone/>
-              <a:defRPr sz="780">
+              <a:defRPr sz="946">
                 <a:solidFill>
                   <a:schemeClr val="tx1"/>
                 </a:solidFill>
               </a:defRPr>
             </a:lvl1pPr>
-            <a:lvl2pPr marL="148590" indent="0">
-              <a:buNone/>
-              <a:defRPr sz="650">
+            <a:lvl2pPr marL="180183" indent="0">
+              <a:buNone/>
+              <a:defRPr sz="788">
                 <a:solidFill>
                   <a:schemeClr val="tx1">
                     <a:tint val="75000"/>
@@ -1006,9 +1006,9 @@
                 </a:solidFill>
               </a:defRPr>
             </a:lvl2pPr>
-            <a:lvl3pPr marL="297180" indent="0">
-              <a:buNone/>
-              <a:defRPr sz="585">
+            <a:lvl3pPr marL="360365" indent="0">
+              <a:buNone/>
+              <a:defRPr sz="709">
                 <a:solidFill>
                   <a:schemeClr val="tx1">
                     <a:tint val="75000"/>
@@ -1016,9 +1016,9 @@
                 </a:solidFill>
               </a:defRPr>
             </a:lvl3pPr>
-            <a:lvl4pPr marL="445770" indent="0">
-              <a:buNone/>
-              <a:defRPr sz="520">
+            <a:lvl4pPr marL="540548" indent="0">
+              <a:buNone/>
+              <a:defRPr sz="631">
                 <a:solidFill>
                   <a:schemeClr val="tx1">
                     <a:tint val="75000"/>
@@ -1026,9 +1026,9 @@
                 </a:solidFill>
               </a:defRPr>
             </a:lvl4pPr>
-            <a:lvl5pPr marL="594360" indent="0">
-              <a:buNone/>
-              <a:defRPr sz="520">
+            <a:lvl5pPr marL="720730" indent="0">
+              <a:buNone/>
+              <a:defRPr sz="631">
                 <a:solidFill>
                   <a:schemeClr val="tx1">
                     <a:tint val="75000"/>
@@ -1036,9 +1036,9 @@
                 </a:solidFill>
               </a:defRPr>
             </a:lvl5pPr>
-            <a:lvl6pPr marL="742950" indent="0">
-              <a:buNone/>
-              <a:defRPr sz="520">
+            <a:lvl6pPr marL="900913" indent="0">
+              <a:buNone/>
+              <a:defRPr sz="631">
                 <a:solidFill>
                   <a:schemeClr val="tx1">
                     <a:tint val="75000"/>
@@ -1046,9 +1046,9 @@
                 </a:solidFill>
               </a:defRPr>
             </a:lvl6pPr>
-            <a:lvl7pPr marL="891540" indent="0">
-              <a:buNone/>
-              <a:defRPr sz="520">
+            <a:lvl7pPr marL="1081095" indent="0">
+              <a:buNone/>
+              <a:defRPr sz="631">
                 <a:solidFill>
                   <a:schemeClr val="tx1">
                     <a:tint val="75000"/>
@@ -1056,9 +1056,9 @@
                 </a:solidFill>
               </a:defRPr>
             </a:lvl7pPr>
-            <a:lvl8pPr marL="1040130" indent="0">
-              <a:buNone/>
-              <a:defRPr sz="520">
+            <a:lvl8pPr marL="1261278" indent="0">
+              <a:buNone/>
+              <a:defRPr sz="631">
                 <a:solidFill>
                   <a:schemeClr val="tx1">
                     <a:tint val="75000"/>
@@ -1066,9 +1066,9 @@
                 </a:solidFill>
               </a:defRPr>
             </a:lvl8pPr>
-            <a:lvl9pPr marL="1188720" indent="0">
-              <a:buNone/>
-              <a:defRPr sz="520">
+            <a:lvl9pPr marL="1441460" indent="0">
+              <a:buNone/>
+              <a:defRPr sz="631">
                 <a:solidFill>
                   <a:schemeClr val="tx1">
                     <a:tint val="75000"/>
@@ -1103,7 +1103,7 @@
           <a:p>
             <a:fld id="{8F6FD536-DA29-9D48-B6E3-F9DD379446EF}" type="datetimeFigureOut">
               <a:rPr kumimoji="1" lang="ja-JP" altLang="en-US" smtClean="0"/>
-              <a:t>2022/12/28</a:t>
+              <a:t>2022/12/29</a:t>
             </a:fld>
             <a:endParaRPr kumimoji="1" lang="ja-JP" altLang="en-US"/>
           </a:p>
@@ -1154,7 +1154,7 @@
     </p:spTree>
     <p:extLst>
       <p:ext uri="{BB962C8B-B14F-4D97-AF65-F5344CB8AC3E}">
-        <p14:creationId xmlns:p14="http://schemas.microsoft.com/office/powerpoint/2010/main" val="1728022458"/>
+        <p14:creationId xmlns:p14="http://schemas.microsoft.com/office/powerpoint/2010/main" val="2708973190"/>
       </p:ext>
     </p:extLst>
   </p:cSld>
@@ -1216,8 +1216,8 @@
         </p:nvSpPr>
         <p:spPr>
           <a:xfrm>
-            <a:off x="204311" y="1217083"/>
-            <a:ext cx="1263015" cy="2900892"/>
+            <a:off x="247749" y="1419086"/>
+            <a:ext cx="1531541" cy="3382359"/>
           </a:xfrm>
         </p:spPr>
         <p:txBody>
@@ -1305,8 +1305,8 @@
         </p:nvSpPr>
         <p:spPr>
           <a:xfrm>
-            <a:off x="1504474" y="1217083"/>
-            <a:ext cx="1263015" cy="2900892"/>
+            <a:off x="1824335" y="1419086"/>
+            <a:ext cx="1531541" cy="3382359"/>
           </a:xfrm>
         </p:spPr>
         <p:txBody>
@@ -1399,7 +1399,7 @@
           <a:p>
             <a:fld id="{8F6FD536-DA29-9D48-B6E3-F9DD379446EF}" type="datetimeFigureOut">
               <a:rPr kumimoji="1" lang="ja-JP" altLang="en-US" smtClean="0"/>
-              <a:t>2022/12/28</a:t>
+              <a:t>2022/12/29</a:t>
             </a:fld>
             <a:endParaRPr kumimoji="1" lang="ja-JP" altLang="en-US"/>
           </a:p>
@@ -1450,7 +1450,7 @@
     </p:spTree>
     <p:extLst>
       <p:ext uri="{BB962C8B-B14F-4D97-AF65-F5344CB8AC3E}">
-        <p14:creationId xmlns:p14="http://schemas.microsoft.com/office/powerpoint/2010/main" val="1617413891"/>
+        <p14:creationId xmlns:p14="http://schemas.microsoft.com/office/powerpoint/2010/main" val="4292377555"/>
       </p:ext>
     </p:extLst>
   </p:cSld>
@@ -1489,8 +1489,8 @@
         </p:nvSpPr>
         <p:spPr>
           <a:xfrm>
-            <a:off x="204698" y="243418"/>
-            <a:ext cx="2563178" cy="883709"/>
+            <a:off x="248218" y="283818"/>
+            <a:ext cx="3108127" cy="1030380"/>
           </a:xfrm>
         </p:spPr>
         <p:txBody>
@@ -1517,8 +1517,8 @@
         </p:nvSpPr>
         <p:spPr>
           <a:xfrm>
-            <a:off x="204698" y="1120775"/>
-            <a:ext cx="1257211" cy="549275"/>
+            <a:off x="248219" y="1306793"/>
+            <a:ext cx="1524502" cy="640439"/>
           </a:xfrm>
         </p:spPr>
         <p:txBody>
@@ -1526,39 +1526,39 @@
           <a:lstStyle>
             <a:lvl1pPr marL="0" indent="0">
               <a:buNone/>
-              <a:defRPr sz="780" b="1"/>
+              <a:defRPr sz="946" b="1"/>
             </a:lvl1pPr>
-            <a:lvl2pPr marL="148590" indent="0">
-              <a:buNone/>
-              <a:defRPr sz="650" b="1"/>
+            <a:lvl2pPr marL="180183" indent="0">
+              <a:buNone/>
+              <a:defRPr sz="788" b="1"/>
             </a:lvl2pPr>
-            <a:lvl3pPr marL="297180" indent="0">
-              <a:buNone/>
-              <a:defRPr sz="585" b="1"/>
+            <a:lvl3pPr marL="360365" indent="0">
+              <a:buNone/>
+              <a:defRPr sz="709" b="1"/>
             </a:lvl3pPr>
-            <a:lvl4pPr marL="445770" indent="0">
-              <a:buNone/>
-              <a:defRPr sz="520" b="1"/>
+            <a:lvl4pPr marL="540548" indent="0">
+              <a:buNone/>
+              <a:defRPr sz="631" b="1"/>
             </a:lvl4pPr>
-            <a:lvl5pPr marL="594360" indent="0">
-              <a:buNone/>
-              <a:defRPr sz="520" b="1"/>
+            <a:lvl5pPr marL="720730" indent="0">
+              <a:buNone/>
+              <a:defRPr sz="631" b="1"/>
             </a:lvl5pPr>
-            <a:lvl6pPr marL="742950" indent="0">
-              <a:buNone/>
-              <a:defRPr sz="520" b="1"/>
+            <a:lvl6pPr marL="900913" indent="0">
+              <a:buNone/>
+              <a:defRPr sz="631" b="1"/>
             </a:lvl6pPr>
-            <a:lvl7pPr marL="891540" indent="0">
-              <a:buNone/>
-              <a:defRPr sz="520" b="1"/>
+            <a:lvl7pPr marL="1081095" indent="0">
+              <a:buNone/>
+              <a:defRPr sz="631" b="1"/>
             </a:lvl7pPr>
-            <a:lvl8pPr marL="1040130" indent="0">
-              <a:buNone/>
-              <a:defRPr sz="520" b="1"/>
+            <a:lvl8pPr marL="1261278" indent="0">
+              <a:buNone/>
+              <a:defRPr sz="631" b="1"/>
             </a:lvl8pPr>
-            <a:lvl9pPr marL="1188720" indent="0">
-              <a:buNone/>
-              <a:defRPr sz="520" b="1"/>
+            <a:lvl9pPr marL="1441460" indent="0">
+              <a:buNone/>
+              <a:defRPr sz="631" b="1"/>
             </a:lvl9pPr>
           </a:lstStyle>
           <a:p>
@@ -1582,8 +1582,8 @@
         </p:nvSpPr>
         <p:spPr>
           <a:xfrm>
-            <a:off x="204698" y="1670050"/>
-            <a:ext cx="1257211" cy="2456392"/>
+            <a:off x="248219" y="1947232"/>
+            <a:ext cx="1524502" cy="2864085"/>
           </a:xfrm>
         </p:spPr>
         <p:txBody>
@@ -1671,8 +1671,8 @@
         </p:nvSpPr>
         <p:spPr>
           <a:xfrm>
-            <a:off x="1504474" y="1120775"/>
-            <a:ext cx="1263402" cy="549275"/>
+            <a:off x="1824335" y="1306793"/>
+            <a:ext cx="1532010" cy="640439"/>
           </a:xfrm>
         </p:spPr>
         <p:txBody>
@@ -1680,39 +1680,39 @@
           <a:lstStyle>
             <a:lvl1pPr marL="0" indent="0">
               <a:buNone/>
-              <a:defRPr sz="780" b="1"/>
+              <a:defRPr sz="946" b="1"/>
             </a:lvl1pPr>
-            <a:lvl2pPr marL="148590" indent="0">
-              <a:buNone/>
-              <a:defRPr sz="650" b="1"/>
+            <a:lvl2pPr marL="180183" indent="0">
+              <a:buNone/>
+              <a:defRPr sz="788" b="1"/>
             </a:lvl2pPr>
-            <a:lvl3pPr marL="297180" indent="0">
-              <a:buNone/>
-              <a:defRPr sz="585" b="1"/>
+            <a:lvl3pPr marL="360365" indent="0">
+              <a:buNone/>
+              <a:defRPr sz="709" b="1"/>
             </a:lvl3pPr>
-            <a:lvl4pPr marL="445770" indent="0">
-              <a:buNone/>
-              <a:defRPr sz="520" b="1"/>
+            <a:lvl4pPr marL="540548" indent="0">
+              <a:buNone/>
+              <a:defRPr sz="631" b="1"/>
             </a:lvl4pPr>
-            <a:lvl5pPr marL="594360" indent="0">
-              <a:buNone/>
-              <a:defRPr sz="520" b="1"/>
+            <a:lvl5pPr marL="720730" indent="0">
+              <a:buNone/>
+              <a:defRPr sz="631" b="1"/>
             </a:lvl5pPr>
-            <a:lvl6pPr marL="742950" indent="0">
-              <a:buNone/>
-              <a:defRPr sz="520" b="1"/>
+            <a:lvl6pPr marL="900913" indent="0">
+              <a:buNone/>
+              <a:defRPr sz="631" b="1"/>
             </a:lvl6pPr>
-            <a:lvl7pPr marL="891540" indent="0">
-              <a:buNone/>
-              <a:defRPr sz="520" b="1"/>
+            <a:lvl7pPr marL="1081095" indent="0">
+              <a:buNone/>
+              <a:defRPr sz="631" b="1"/>
             </a:lvl7pPr>
-            <a:lvl8pPr marL="1040130" indent="0">
-              <a:buNone/>
-              <a:defRPr sz="520" b="1"/>
+            <a:lvl8pPr marL="1261278" indent="0">
+              <a:buNone/>
+              <a:defRPr sz="631" b="1"/>
             </a:lvl8pPr>
-            <a:lvl9pPr marL="1188720" indent="0">
-              <a:buNone/>
-              <a:defRPr sz="520" b="1"/>
+            <a:lvl9pPr marL="1441460" indent="0">
+              <a:buNone/>
+              <a:defRPr sz="631" b="1"/>
             </a:lvl9pPr>
           </a:lstStyle>
           <a:p>
@@ -1736,8 +1736,8 @@
         </p:nvSpPr>
         <p:spPr>
           <a:xfrm>
-            <a:off x="1504474" y="1670050"/>
-            <a:ext cx="1263402" cy="2456392"/>
+            <a:off x="1824335" y="1947232"/>
+            <a:ext cx="1532010" cy="2864085"/>
           </a:xfrm>
         </p:spPr>
         <p:txBody>
@@ -1830,7 +1830,7 @@
           <a:p>
             <a:fld id="{8F6FD536-DA29-9D48-B6E3-F9DD379446EF}" type="datetimeFigureOut">
               <a:rPr kumimoji="1" lang="ja-JP" altLang="en-US" smtClean="0"/>
-              <a:t>2022/12/28</a:t>
+              <a:t>2022/12/29</a:t>
             </a:fld>
             <a:endParaRPr kumimoji="1" lang="ja-JP" altLang="en-US"/>
           </a:p>
@@ -1881,7 +1881,7 @@
     </p:spTree>
     <p:extLst>
       <p:ext uri="{BB962C8B-B14F-4D97-AF65-F5344CB8AC3E}">
-        <p14:creationId xmlns:p14="http://schemas.microsoft.com/office/powerpoint/2010/main" val="880272907"/>
+        <p14:creationId xmlns:p14="http://schemas.microsoft.com/office/powerpoint/2010/main" val="902168845"/>
       </p:ext>
     </p:extLst>
   </p:cSld>
@@ -1948,7 +1948,7 @@
           <a:p>
             <a:fld id="{8F6FD536-DA29-9D48-B6E3-F9DD379446EF}" type="datetimeFigureOut">
               <a:rPr kumimoji="1" lang="ja-JP" altLang="en-US" smtClean="0"/>
-              <a:t>2022/12/28</a:t>
+              <a:t>2022/12/29</a:t>
             </a:fld>
             <a:endParaRPr kumimoji="1" lang="ja-JP" altLang="en-US"/>
           </a:p>
@@ -1999,7 +1999,7 @@
     </p:spTree>
     <p:extLst>
       <p:ext uri="{BB962C8B-B14F-4D97-AF65-F5344CB8AC3E}">
-        <p14:creationId xmlns:p14="http://schemas.microsoft.com/office/powerpoint/2010/main" val="251848475"/>
+        <p14:creationId xmlns:p14="http://schemas.microsoft.com/office/powerpoint/2010/main" val="3834680966"/>
       </p:ext>
     </p:extLst>
   </p:cSld>
@@ -2043,7 +2043,7 @@
           <a:p>
             <a:fld id="{8F6FD536-DA29-9D48-B6E3-F9DD379446EF}" type="datetimeFigureOut">
               <a:rPr kumimoji="1" lang="ja-JP" altLang="en-US" smtClean="0"/>
-              <a:t>2022/12/28</a:t>
+              <a:t>2022/12/29</a:t>
             </a:fld>
             <a:endParaRPr kumimoji="1" lang="ja-JP" altLang="en-US"/>
           </a:p>
@@ -2094,7 +2094,7 @@
     </p:spTree>
     <p:extLst>
       <p:ext uri="{BB962C8B-B14F-4D97-AF65-F5344CB8AC3E}">
-        <p14:creationId xmlns:p14="http://schemas.microsoft.com/office/powerpoint/2010/main" val="3293552663"/>
+        <p14:creationId xmlns:p14="http://schemas.microsoft.com/office/powerpoint/2010/main" val="2204702154"/>
       </p:ext>
     </p:extLst>
   </p:cSld>
@@ -2133,15 +2133,15 @@
         </p:nvSpPr>
         <p:spPr>
           <a:xfrm>
-            <a:off x="204698" y="304800"/>
-            <a:ext cx="958483" cy="1066800"/>
+            <a:off x="248219" y="355388"/>
+            <a:ext cx="1162263" cy="1243859"/>
           </a:xfrm>
         </p:spPr>
         <p:txBody>
           <a:bodyPr anchor="b"/>
           <a:lstStyle>
             <a:lvl1pPr>
-              <a:defRPr sz="1040"/>
+              <a:defRPr sz="1261"/>
             </a:lvl1pPr>
           </a:lstStyle>
           <a:p>
@@ -2165,39 +2165,39 @@
         </p:nvSpPr>
         <p:spPr>
           <a:xfrm>
-            <a:off x="1263402" y="658285"/>
-            <a:ext cx="1504474" cy="3249083"/>
+            <a:off x="1532010" y="767541"/>
+            <a:ext cx="1824335" cy="3788341"/>
           </a:xfrm>
         </p:spPr>
         <p:txBody>
           <a:bodyPr/>
           <a:lstStyle>
             <a:lvl1pPr>
-              <a:defRPr sz="1040"/>
+              <a:defRPr sz="1261"/>
             </a:lvl1pPr>
             <a:lvl2pPr>
-              <a:defRPr sz="910"/>
+              <a:defRPr sz="1103"/>
             </a:lvl2pPr>
             <a:lvl3pPr>
-              <a:defRPr sz="780"/>
+              <a:defRPr sz="946"/>
             </a:lvl3pPr>
             <a:lvl4pPr>
-              <a:defRPr sz="650"/>
+              <a:defRPr sz="788"/>
             </a:lvl4pPr>
             <a:lvl5pPr>
-              <a:defRPr sz="650"/>
+              <a:defRPr sz="788"/>
             </a:lvl5pPr>
             <a:lvl6pPr>
-              <a:defRPr sz="650"/>
+              <a:defRPr sz="788"/>
             </a:lvl6pPr>
             <a:lvl7pPr>
-              <a:defRPr sz="650"/>
+              <a:defRPr sz="788"/>
             </a:lvl7pPr>
             <a:lvl8pPr>
-              <a:defRPr sz="650"/>
+              <a:defRPr sz="788"/>
             </a:lvl8pPr>
             <a:lvl9pPr>
-              <a:defRPr sz="650"/>
+              <a:defRPr sz="788"/>
             </a:lvl9pPr>
           </a:lstStyle>
           <a:p>
@@ -2282,8 +2282,8 @@
         </p:nvSpPr>
         <p:spPr>
           <a:xfrm>
-            <a:off x="204698" y="1371600"/>
-            <a:ext cx="958483" cy="2541059"/>
+            <a:off x="248219" y="1599247"/>
+            <a:ext cx="1162263" cy="2962804"/>
           </a:xfrm>
         </p:spPr>
         <p:txBody>
@@ -2291,39 +2291,39 @@
           <a:lstStyle>
             <a:lvl1pPr marL="0" indent="0">
               <a:buNone/>
-              <a:defRPr sz="520"/>
+              <a:defRPr sz="631"/>
             </a:lvl1pPr>
-            <a:lvl2pPr marL="148590" indent="0">
-              <a:buNone/>
-              <a:defRPr sz="455"/>
+            <a:lvl2pPr marL="180183" indent="0">
+              <a:buNone/>
+              <a:defRPr sz="552"/>
             </a:lvl2pPr>
-            <a:lvl3pPr marL="297180" indent="0">
-              <a:buNone/>
-              <a:defRPr sz="390"/>
+            <a:lvl3pPr marL="360365" indent="0">
+              <a:buNone/>
+              <a:defRPr sz="473"/>
             </a:lvl3pPr>
-            <a:lvl4pPr marL="445770" indent="0">
-              <a:buNone/>
-              <a:defRPr sz="325"/>
+            <a:lvl4pPr marL="540548" indent="0">
+              <a:buNone/>
+              <a:defRPr sz="394"/>
             </a:lvl4pPr>
-            <a:lvl5pPr marL="594360" indent="0">
-              <a:buNone/>
-              <a:defRPr sz="325"/>
+            <a:lvl5pPr marL="720730" indent="0">
+              <a:buNone/>
+              <a:defRPr sz="394"/>
             </a:lvl5pPr>
-            <a:lvl6pPr marL="742950" indent="0">
-              <a:buNone/>
-              <a:defRPr sz="325"/>
+            <a:lvl6pPr marL="900913" indent="0">
+              <a:buNone/>
+              <a:defRPr sz="394"/>
             </a:lvl6pPr>
-            <a:lvl7pPr marL="891540" indent="0">
-              <a:buNone/>
-              <a:defRPr sz="325"/>
+            <a:lvl7pPr marL="1081095" indent="0">
+              <a:buNone/>
+              <a:defRPr sz="394"/>
             </a:lvl7pPr>
-            <a:lvl8pPr marL="1040130" indent="0">
-              <a:buNone/>
-              <a:defRPr sz="325"/>
+            <a:lvl8pPr marL="1261278" indent="0">
+              <a:buNone/>
+              <a:defRPr sz="394"/>
             </a:lvl8pPr>
-            <a:lvl9pPr marL="1188720" indent="0">
-              <a:buNone/>
-              <a:defRPr sz="325"/>
+            <a:lvl9pPr marL="1441460" indent="0">
+              <a:buNone/>
+              <a:defRPr sz="394"/>
             </a:lvl9pPr>
           </a:lstStyle>
           <a:p>
@@ -2352,7 +2352,7 @@
           <a:p>
             <a:fld id="{8F6FD536-DA29-9D48-B6E3-F9DD379446EF}" type="datetimeFigureOut">
               <a:rPr kumimoji="1" lang="ja-JP" altLang="en-US" smtClean="0"/>
-              <a:t>2022/12/28</a:t>
+              <a:t>2022/12/29</a:t>
             </a:fld>
             <a:endParaRPr kumimoji="1" lang="ja-JP" altLang="en-US"/>
           </a:p>
@@ -2403,7 +2403,7 @@
     </p:spTree>
     <p:extLst>
       <p:ext uri="{BB962C8B-B14F-4D97-AF65-F5344CB8AC3E}">
-        <p14:creationId xmlns:p14="http://schemas.microsoft.com/office/powerpoint/2010/main" val="4092699364"/>
+        <p14:creationId xmlns:p14="http://schemas.microsoft.com/office/powerpoint/2010/main" val="107903414"/>
       </p:ext>
     </p:extLst>
   </p:cSld>
@@ -2442,15 +2442,15 @@
         </p:nvSpPr>
         <p:spPr>
           <a:xfrm>
-            <a:off x="204698" y="304800"/>
-            <a:ext cx="958483" cy="1066800"/>
+            <a:off x="248219" y="355388"/>
+            <a:ext cx="1162263" cy="1243859"/>
           </a:xfrm>
         </p:spPr>
         <p:txBody>
           <a:bodyPr anchor="b"/>
           <a:lstStyle>
             <a:lvl1pPr>
-              <a:defRPr sz="1040"/>
+              <a:defRPr sz="1261"/>
             </a:lvl1pPr>
           </a:lstStyle>
           <a:p>
@@ -2474,8 +2474,8 @@
         </p:nvSpPr>
         <p:spPr>
           <a:xfrm>
-            <a:off x="1263402" y="658285"/>
-            <a:ext cx="1504474" cy="3249083"/>
+            <a:off x="1532010" y="767541"/>
+            <a:ext cx="1824335" cy="3788341"/>
           </a:xfrm>
         </p:spPr>
         <p:txBody>
@@ -2483,39 +2483,39 @@
           <a:lstStyle>
             <a:lvl1pPr marL="0" indent="0">
               <a:buNone/>
-              <a:defRPr sz="1040"/>
+              <a:defRPr sz="1261"/>
             </a:lvl1pPr>
-            <a:lvl2pPr marL="148590" indent="0">
-              <a:buNone/>
-              <a:defRPr sz="910"/>
+            <a:lvl2pPr marL="180183" indent="0">
+              <a:buNone/>
+              <a:defRPr sz="1103"/>
             </a:lvl2pPr>
-            <a:lvl3pPr marL="297180" indent="0">
-              <a:buNone/>
-              <a:defRPr sz="780"/>
+            <a:lvl3pPr marL="360365" indent="0">
+              <a:buNone/>
+              <a:defRPr sz="946"/>
             </a:lvl3pPr>
-            <a:lvl4pPr marL="445770" indent="0">
-              <a:buNone/>
-              <a:defRPr sz="650"/>
+            <a:lvl4pPr marL="540548" indent="0">
+              <a:buNone/>
+              <a:defRPr sz="788"/>
             </a:lvl4pPr>
-            <a:lvl5pPr marL="594360" indent="0">
-              <a:buNone/>
-              <a:defRPr sz="650"/>
+            <a:lvl5pPr marL="720730" indent="0">
+              <a:buNone/>
+              <a:defRPr sz="788"/>
             </a:lvl5pPr>
-            <a:lvl6pPr marL="742950" indent="0">
-              <a:buNone/>
-              <a:defRPr sz="650"/>
+            <a:lvl6pPr marL="900913" indent="0">
+              <a:buNone/>
+              <a:defRPr sz="788"/>
             </a:lvl6pPr>
-            <a:lvl7pPr marL="891540" indent="0">
-              <a:buNone/>
-              <a:defRPr sz="650"/>
+            <a:lvl7pPr marL="1081095" indent="0">
+              <a:buNone/>
+              <a:defRPr sz="788"/>
             </a:lvl7pPr>
-            <a:lvl8pPr marL="1040130" indent="0">
-              <a:buNone/>
-              <a:defRPr sz="650"/>
+            <a:lvl8pPr marL="1261278" indent="0">
+              <a:buNone/>
+              <a:defRPr sz="788"/>
             </a:lvl8pPr>
-            <a:lvl9pPr marL="1188720" indent="0">
-              <a:buNone/>
-              <a:defRPr sz="650"/>
+            <a:lvl9pPr marL="1441460" indent="0">
+              <a:buNone/>
+              <a:defRPr sz="788"/>
             </a:lvl9pPr>
           </a:lstStyle>
           <a:p>
@@ -2539,8 +2539,8 @@
         </p:nvSpPr>
         <p:spPr>
           <a:xfrm>
-            <a:off x="204698" y="1371600"/>
-            <a:ext cx="958483" cy="2541059"/>
+            <a:off x="248219" y="1599247"/>
+            <a:ext cx="1162263" cy="2962804"/>
           </a:xfrm>
         </p:spPr>
         <p:txBody>
@@ -2548,39 +2548,39 @@
           <a:lstStyle>
             <a:lvl1pPr marL="0" indent="0">
               <a:buNone/>
-              <a:defRPr sz="520"/>
+              <a:defRPr sz="631"/>
             </a:lvl1pPr>
-            <a:lvl2pPr marL="148590" indent="0">
-              <a:buNone/>
-              <a:defRPr sz="455"/>
+            <a:lvl2pPr marL="180183" indent="0">
+              <a:buNone/>
+              <a:defRPr sz="552"/>
             </a:lvl2pPr>
-            <a:lvl3pPr marL="297180" indent="0">
-              <a:buNone/>
-              <a:defRPr sz="390"/>
+            <a:lvl3pPr marL="360365" indent="0">
+              <a:buNone/>
+              <a:defRPr sz="473"/>
             </a:lvl3pPr>
-            <a:lvl4pPr marL="445770" indent="0">
-              <a:buNone/>
-              <a:defRPr sz="325"/>
+            <a:lvl4pPr marL="540548" indent="0">
+              <a:buNone/>
+              <a:defRPr sz="394"/>
             </a:lvl4pPr>
-            <a:lvl5pPr marL="594360" indent="0">
-              <a:buNone/>
-              <a:defRPr sz="325"/>
+            <a:lvl5pPr marL="720730" indent="0">
+              <a:buNone/>
+              <a:defRPr sz="394"/>
             </a:lvl5pPr>
-            <a:lvl6pPr marL="742950" indent="0">
-              <a:buNone/>
-              <a:defRPr sz="325"/>
+            <a:lvl6pPr marL="900913" indent="0">
+              <a:buNone/>
+              <a:defRPr sz="394"/>
             </a:lvl6pPr>
-            <a:lvl7pPr marL="891540" indent="0">
-              <a:buNone/>
-              <a:defRPr sz="325"/>
+            <a:lvl7pPr marL="1081095" indent="0">
+              <a:buNone/>
+              <a:defRPr sz="394"/>
             </a:lvl7pPr>
-            <a:lvl8pPr marL="1040130" indent="0">
-              <a:buNone/>
-              <a:defRPr sz="325"/>
+            <a:lvl8pPr marL="1261278" indent="0">
+              <a:buNone/>
+              <a:defRPr sz="394"/>
             </a:lvl8pPr>
-            <a:lvl9pPr marL="1188720" indent="0">
-              <a:buNone/>
-              <a:defRPr sz="325"/>
+            <a:lvl9pPr marL="1441460" indent="0">
+              <a:buNone/>
+              <a:defRPr sz="394"/>
             </a:lvl9pPr>
           </a:lstStyle>
           <a:p>
@@ -2609,7 +2609,7 @@
           <a:p>
             <a:fld id="{8F6FD536-DA29-9D48-B6E3-F9DD379446EF}" type="datetimeFigureOut">
               <a:rPr kumimoji="1" lang="ja-JP" altLang="en-US" smtClean="0"/>
-              <a:t>2022/12/28</a:t>
+              <a:t>2022/12/29</a:t>
             </a:fld>
             <a:endParaRPr kumimoji="1" lang="ja-JP" altLang="en-US"/>
           </a:p>
@@ -2660,7 +2660,7 @@
     </p:spTree>
     <p:extLst>
       <p:ext uri="{BB962C8B-B14F-4D97-AF65-F5344CB8AC3E}">
-        <p14:creationId xmlns:p14="http://schemas.microsoft.com/office/powerpoint/2010/main" val="1374793226"/>
+        <p14:creationId xmlns:p14="http://schemas.microsoft.com/office/powerpoint/2010/main" val="3841524898"/>
       </p:ext>
     </p:extLst>
   </p:cSld>
@@ -2704,8 +2704,8 @@
         </p:nvSpPr>
         <p:spPr>
           <a:xfrm>
-            <a:off x="204311" y="243418"/>
-            <a:ext cx="2563178" cy="883709"/>
+            <a:off x="247749" y="283818"/>
+            <a:ext cx="3108127" cy="1030380"/>
           </a:xfrm>
           <a:prstGeom prst="rect">
             <a:avLst/>
@@ -2737,8 +2737,8 @@
         </p:nvSpPr>
         <p:spPr>
           <a:xfrm>
-            <a:off x="204311" y="1217083"/>
-            <a:ext cx="2563178" cy="2900892"/>
+            <a:off x="247749" y="1419086"/>
+            <a:ext cx="3108127" cy="3382359"/>
           </a:xfrm>
           <a:prstGeom prst="rect">
             <a:avLst/>
@@ -2831,8 +2831,8 @@
         </p:nvSpPr>
         <p:spPr>
           <a:xfrm>
-            <a:off x="204311" y="4237568"/>
-            <a:ext cx="668655" cy="243417"/>
+            <a:off x="247749" y="4940886"/>
+            <a:ext cx="810816" cy="283817"/>
           </a:xfrm>
           <a:prstGeom prst="rect">
             <a:avLst/>
@@ -2842,7 +2842,7 @@
           <a:bodyPr vert="horz" lIns="91440" tIns="45720" rIns="91440" bIns="45720" rtlCol="0" anchor="ctr"/>
           <a:lstStyle>
             <a:lvl1pPr algn="l">
-              <a:defRPr sz="390">
+              <a:defRPr sz="473">
                 <a:solidFill>
                   <a:schemeClr val="tx1">
                     <a:tint val="75000"/>
@@ -2854,7 +2854,7 @@
           <a:p>
             <a:fld id="{8F6FD536-DA29-9D48-B6E3-F9DD379446EF}" type="datetimeFigureOut">
               <a:rPr kumimoji="1" lang="ja-JP" altLang="en-US" smtClean="0"/>
-              <a:t>2022/12/28</a:t>
+              <a:t>2022/12/29</a:t>
             </a:fld>
             <a:endParaRPr kumimoji="1" lang="ja-JP" altLang="en-US"/>
           </a:p>
@@ -2872,8 +2872,8 @@
         </p:nvSpPr>
         <p:spPr>
           <a:xfrm>
-            <a:off x="984409" y="4237568"/>
-            <a:ext cx="1002983" cy="243417"/>
+            <a:off x="1193701" y="4940886"/>
+            <a:ext cx="1216223" cy="283817"/>
           </a:xfrm>
           <a:prstGeom prst="rect">
             <a:avLst/>
@@ -2883,7 +2883,7 @@
           <a:bodyPr vert="horz" lIns="91440" tIns="45720" rIns="91440" bIns="45720" rtlCol="0" anchor="ctr"/>
           <a:lstStyle>
             <a:lvl1pPr algn="ctr">
-              <a:defRPr sz="390">
+              <a:defRPr sz="473">
                 <a:solidFill>
                   <a:schemeClr val="tx1">
                     <a:tint val="75000"/>
@@ -2909,8 +2909,8 @@
         </p:nvSpPr>
         <p:spPr>
           <a:xfrm>
-            <a:off x="2098834" y="4237568"/>
-            <a:ext cx="668655" cy="243417"/>
+            <a:off x="2545060" y="4940886"/>
+            <a:ext cx="810816" cy="283817"/>
           </a:xfrm>
           <a:prstGeom prst="rect">
             <a:avLst/>
@@ -2920,7 +2920,7 @@
           <a:bodyPr vert="horz" lIns="91440" tIns="45720" rIns="91440" bIns="45720" rtlCol="0" anchor="ctr"/>
           <a:lstStyle>
             <a:lvl1pPr algn="r">
-              <a:defRPr sz="390">
+              <a:defRPr sz="473">
                 <a:solidFill>
                   <a:schemeClr val="tx1">
                     <a:tint val="75000"/>
@@ -2941,27 +2941,27 @@
     </p:spTree>
     <p:extLst>
       <p:ext uri="{BB962C8B-B14F-4D97-AF65-F5344CB8AC3E}">
-        <p14:creationId xmlns:p14="http://schemas.microsoft.com/office/powerpoint/2010/main" val="4074515319"/>
+        <p14:creationId xmlns:p14="http://schemas.microsoft.com/office/powerpoint/2010/main" val="7735691"/>
       </p:ext>
     </p:extLst>
   </p:cSld>
   <p:clrMap bg1="lt1" tx1="dk1" bg2="lt2" tx2="dk2" accent1="accent1" accent2="accent2" accent3="accent3" accent4="accent4" accent5="accent5" accent6="accent6" hlink="hlink" folHlink="folHlink"/>
   <p:sldLayoutIdLst>
-    <p:sldLayoutId id="2147483661" r:id="rId1"/>
-    <p:sldLayoutId id="2147483662" r:id="rId2"/>
-    <p:sldLayoutId id="2147483663" r:id="rId3"/>
-    <p:sldLayoutId id="2147483664" r:id="rId4"/>
-    <p:sldLayoutId id="2147483665" r:id="rId5"/>
-    <p:sldLayoutId id="2147483666" r:id="rId6"/>
-    <p:sldLayoutId id="2147483667" r:id="rId7"/>
-    <p:sldLayoutId id="2147483668" r:id="rId8"/>
-    <p:sldLayoutId id="2147483669" r:id="rId9"/>
-    <p:sldLayoutId id="2147483670" r:id="rId10"/>
-    <p:sldLayoutId id="2147483671" r:id="rId11"/>
+    <p:sldLayoutId id="2147483673" r:id="rId1"/>
+    <p:sldLayoutId id="2147483674" r:id="rId2"/>
+    <p:sldLayoutId id="2147483675" r:id="rId3"/>
+    <p:sldLayoutId id="2147483676" r:id="rId4"/>
+    <p:sldLayoutId id="2147483677" r:id="rId5"/>
+    <p:sldLayoutId id="2147483678" r:id="rId6"/>
+    <p:sldLayoutId id="2147483679" r:id="rId7"/>
+    <p:sldLayoutId id="2147483680" r:id="rId8"/>
+    <p:sldLayoutId id="2147483681" r:id="rId9"/>
+    <p:sldLayoutId id="2147483682" r:id="rId10"/>
+    <p:sldLayoutId id="2147483683" r:id="rId11"/>
   </p:sldLayoutIdLst>
   <p:txStyles>
     <p:titleStyle>
-      <a:lvl1pPr algn="l" defTabSz="297180" rtl="0" eaLnBrk="1" latinLnBrk="0" hangingPunct="1">
+      <a:lvl1pPr algn="l" defTabSz="360365" rtl="0" eaLnBrk="1" latinLnBrk="0" hangingPunct="1">
         <a:lnSpc>
           <a:spcPct val="90000"/>
         </a:lnSpc>
@@ -2969,7 +2969,7 @@
           <a:spcPct val="0"/>
         </a:spcBef>
         <a:buNone/>
-        <a:defRPr kumimoji="1" sz="1430" kern="1200">
+        <a:defRPr kumimoji="1" sz="1734" kern="1200">
           <a:solidFill>
             <a:schemeClr val="tx1"/>
           </a:solidFill>
@@ -2980,16 +2980,16 @@
       </a:lvl1pPr>
     </p:titleStyle>
     <p:bodyStyle>
-      <a:lvl1pPr marL="74295" indent="-74295" algn="l" defTabSz="297180" rtl="0" eaLnBrk="1" latinLnBrk="0" hangingPunct="1">
+      <a:lvl1pPr marL="90091" indent="-90091" algn="l" defTabSz="360365" rtl="0" eaLnBrk="1" latinLnBrk="0" hangingPunct="1">
         <a:lnSpc>
           <a:spcPct val="90000"/>
         </a:lnSpc>
         <a:spcBef>
-          <a:spcPts val="325"/>
+          <a:spcPts val="394"/>
         </a:spcBef>
         <a:buFont typeface="Arial" panose="020B0604020202020204" pitchFamily="34" charset="0"/>
         <a:buChar char="•"/>
-        <a:defRPr kumimoji="1" sz="910" kern="1200">
+        <a:defRPr kumimoji="1" sz="1103" kern="1200">
           <a:solidFill>
             <a:schemeClr val="tx1"/>
           </a:solidFill>
@@ -2998,16 +2998,16 @@
           <a:cs typeface="+mn-cs"/>
         </a:defRPr>
       </a:lvl1pPr>
-      <a:lvl2pPr marL="222885" indent="-74295" algn="l" defTabSz="297180" rtl="0" eaLnBrk="1" latinLnBrk="0" hangingPunct="1">
+      <a:lvl2pPr marL="270274" indent="-90091" algn="l" defTabSz="360365" rtl="0" eaLnBrk="1" latinLnBrk="0" hangingPunct="1">
         <a:lnSpc>
           <a:spcPct val="90000"/>
         </a:lnSpc>
         <a:spcBef>
-          <a:spcPts val="163"/>
+          <a:spcPts val="197"/>
         </a:spcBef>
         <a:buFont typeface="Arial" panose="020B0604020202020204" pitchFamily="34" charset="0"/>
         <a:buChar char="•"/>
-        <a:defRPr kumimoji="1" sz="780" kern="1200">
+        <a:defRPr kumimoji="1" sz="946" kern="1200">
           <a:solidFill>
             <a:schemeClr val="tx1"/>
           </a:solidFill>
@@ -3016,16 +3016,16 @@
           <a:cs typeface="+mn-cs"/>
         </a:defRPr>
       </a:lvl2pPr>
-      <a:lvl3pPr marL="371475" indent="-74295" algn="l" defTabSz="297180" rtl="0" eaLnBrk="1" latinLnBrk="0" hangingPunct="1">
+      <a:lvl3pPr marL="450456" indent="-90091" algn="l" defTabSz="360365" rtl="0" eaLnBrk="1" latinLnBrk="0" hangingPunct="1">
         <a:lnSpc>
           <a:spcPct val="90000"/>
         </a:lnSpc>
         <a:spcBef>
-          <a:spcPts val="163"/>
+          <a:spcPts val="197"/>
         </a:spcBef>
         <a:buFont typeface="Arial" panose="020B0604020202020204" pitchFamily="34" charset="0"/>
         <a:buChar char="•"/>
-        <a:defRPr kumimoji="1" sz="650" kern="1200">
+        <a:defRPr kumimoji="1" sz="788" kern="1200">
           <a:solidFill>
             <a:schemeClr val="tx1"/>
           </a:solidFill>
@@ -3034,16 +3034,16 @@
           <a:cs typeface="+mn-cs"/>
         </a:defRPr>
       </a:lvl3pPr>
-      <a:lvl4pPr marL="520065" indent="-74295" algn="l" defTabSz="297180" rtl="0" eaLnBrk="1" latinLnBrk="0" hangingPunct="1">
+      <a:lvl4pPr marL="630639" indent="-90091" algn="l" defTabSz="360365" rtl="0" eaLnBrk="1" latinLnBrk="0" hangingPunct="1">
         <a:lnSpc>
           <a:spcPct val="90000"/>
         </a:lnSpc>
         <a:spcBef>
-          <a:spcPts val="163"/>
+          <a:spcPts val="197"/>
         </a:spcBef>
         <a:buFont typeface="Arial" panose="020B0604020202020204" pitchFamily="34" charset="0"/>
         <a:buChar char="•"/>
-        <a:defRPr kumimoji="1" sz="585" kern="1200">
+        <a:defRPr kumimoji="1" sz="709" kern="1200">
           <a:solidFill>
             <a:schemeClr val="tx1"/>
           </a:solidFill>
@@ -3052,16 +3052,16 @@
           <a:cs typeface="+mn-cs"/>
         </a:defRPr>
       </a:lvl4pPr>
-      <a:lvl5pPr marL="668655" indent="-74295" algn="l" defTabSz="297180" rtl="0" eaLnBrk="1" latinLnBrk="0" hangingPunct="1">
+      <a:lvl5pPr marL="810821" indent="-90091" algn="l" defTabSz="360365" rtl="0" eaLnBrk="1" latinLnBrk="0" hangingPunct="1">
         <a:lnSpc>
           <a:spcPct val="90000"/>
         </a:lnSpc>
         <a:spcBef>
-          <a:spcPts val="163"/>
+          <a:spcPts val="197"/>
         </a:spcBef>
         <a:buFont typeface="Arial" panose="020B0604020202020204" pitchFamily="34" charset="0"/>
         <a:buChar char="•"/>
-        <a:defRPr kumimoji="1" sz="585" kern="1200">
+        <a:defRPr kumimoji="1" sz="709" kern="1200">
           <a:solidFill>
             <a:schemeClr val="tx1"/>
           </a:solidFill>
@@ -3070,16 +3070,16 @@
           <a:cs typeface="+mn-cs"/>
         </a:defRPr>
       </a:lvl5pPr>
-      <a:lvl6pPr marL="817245" indent="-74295" algn="l" defTabSz="297180" rtl="0" eaLnBrk="1" latinLnBrk="0" hangingPunct="1">
+      <a:lvl6pPr marL="991004" indent="-90091" algn="l" defTabSz="360365" rtl="0" eaLnBrk="1" latinLnBrk="0" hangingPunct="1">
         <a:lnSpc>
           <a:spcPct val="90000"/>
         </a:lnSpc>
         <a:spcBef>
-          <a:spcPts val="163"/>
+          <a:spcPts val="197"/>
         </a:spcBef>
         <a:buFont typeface="Arial" panose="020B0604020202020204" pitchFamily="34" charset="0"/>
         <a:buChar char="•"/>
-        <a:defRPr kumimoji="1" sz="585" kern="1200">
+        <a:defRPr kumimoji="1" sz="709" kern="1200">
           <a:solidFill>
             <a:schemeClr val="tx1"/>
           </a:solidFill>
@@ -3088,16 +3088,16 @@
           <a:cs typeface="+mn-cs"/>
         </a:defRPr>
       </a:lvl6pPr>
-      <a:lvl7pPr marL="965835" indent="-74295" algn="l" defTabSz="297180" rtl="0" eaLnBrk="1" latinLnBrk="0" hangingPunct="1">
+      <a:lvl7pPr marL="1171186" indent="-90091" algn="l" defTabSz="360365" rtl="0" eaLnBrk="1" latinLnBrk="0" hangingPunct="1">
         <a:lnSpc>
           <a:spcPct val="90000"/>
         </a:lnSpc>
         <a:spcBef>
-          <a:spcPts val="163"/>
+          <a:spcPts val="197"/>
         </a:spcBef>
         <a:buFont typeface="Arial" panose="020B0604020202020204" pitchFamily="34" charset="0"/>
         <a:buChar char="•"/>
-        <a:defRPr kumimoji="1" sz="585" kern="1200">
+        <a:defRPr kumimoji="1" sz="709" kern="1200">
           <a:solidFill>
             <a:schemeClr val="tx1"/>
           </a:solidFill>
@@ -3106,16 +3106,16 @@
           <a:cs typeface="+mn-cs"/>
         </a:defRPr>
       </a:lvl7pPr>
-      <a:lvl8pPr marL="1114425" indent="-74295" algn="l" defTabSz="297180" rtl="0" eaLnBrk="1" latinLnBrk="0" hangingPunct="1">
+      <a:lvl8pPr marL="1351369" indent="-90091" algn="l" defTabSz="360365" rtl="0" eaLnBrk="1" latinLnBrk="0" hangingPunct="1">
         <a:lnSpc>
           <a:spcPct val="90000"/>
         </a:lnSpc>
         <a:spcBef>
-          <a:spcPts val="163"/>
+          <a:spcPts val="197"/>
         </a:spcBef>
         <a:buFont typeface="Arial" panose="020B0604020202020204" pitchFamily="34" charset="0"/>
         <a:buChar char="•"/>
-        <a:defRPr kumimoji="1" sz="585" kern="1200">
+        <a:defRPr kumimoji="1" sz="709" kern="1200">
           <a:solidFill>
             <a:schemeClr val="tx1"/>
           </a:solidFill>
@@ -3124,16 +3124,16 @@
           <a:cs typeface="+mn-cs"/>
         </a:defRPr>
       </a:lvl8pPr>
-      <a:lvl9pPr marL="1263015" indent="-74295" algn="l" defTabSz="297180" rtl="0" eaLnBrk="1" latinLnBrk="0" hangingPunct="1">
+      <a:lvl9pPr marL="1531551" indent="-90091" algn="l" defTabSz="360365" rtl="0" eaLnBrk="1" latinLnBrk="0" hangingPunct="1">
         <a:lnSpc>
           <a:spcPct val="90000"/>
         </a:lnSpc>
         <a:spcBef>
-          <a:spcPts val="163"/>
+          <a:spcPts val="197"/>
         </a:spcBef>
         <a:buFont typeface="Arial" panose="020B0604020202020204" pitchFamily="34" charset="0"/>
         <a:buChar char="•"/>
-        <a:defRPr kumimoji="1" sz="585" kern="1200">
+        <a:defRPr kumimoji="1" sz="709" kern="1200">
           <a:solidFill>
             <a:schemeClr val="tx1"/>
           </a:solidFill>
@@ -3147,8 +3147,8 @@
       <a:defPPr>
         <a:defRPr lang="en-US"/>
       </a:defPPr>
-      <a:lvl1pPr marL="0" algn="l" defTabSz="297180" rtl="0" eaLnBrk="1" latinLnBrk="0" hangingPunct="1">
-        <a:defRPr kumimoji="1" sz="585" kern="1200">
+      <a:lvl1pPr marL="0" algn="l" defTabSz="360365" rtl="0" eaLnBrk="1" latinLnBrk="0" hangingPunct="1">
+        <a:defRPr kumimoji="1" sz="709" kern="1200">
           <a:solidFill>
             <a:schemeClr val="tx1"/>
           </a:solidFill>
@@ -3157,8 +3157,8 @@
           <a:cs typeface="+mn-cs"/>
         </a:defRPr>
       </a:lvl1pPr>
-      <a:lvl2pPr marL="148590" algn="l" defTabSz="297180" rtl="0" eaLnBrk="1" latinLnBrk="0" hangingPunct="1">
-        <a:defRPr kumimoji="1" sz="585" kern="1200">
+      <a:lvl2pPr marL="180183" algn="l" defTabSz="360365" rtl="0" eaLnBrk="1" latinLnBrk="0" hangingPunct="1">
+        <a:defRPr kumimoji="1" sz="709" kern="1200">
           <a:solidFill>
             <a:schemeClr val="tx1"/>
           </a:solidFill>
@@ -3167,8 +3167,8 @@
           <a:cs typeface="+mn-cs"/>
         </a:defRPr>
       </a:lvl2pPr>
-      <a:lvl3pPr marL="297180" algn="l" defTabSz="297180" rtl="0" eaLnBrk="1" latinLnBrk="0" hangingPunct="1">
-        <a:defRPr kumimoji="1" sz="585" kern="1200">
+      <a:lvl3pPr marL="360365" algn="l" defTabSz="360365" rtl="0" eaLnBrk="1" latinLnBrk="0" hangingPunct="1">
+        <a:defRPr kumimoji="1" sz="709" kern="1200">
           <a:solidFill>
             <a:schemeClr val="tx1"/>
           </a:solidFill>
@@ -3177,8 +3177,8 @@
           <a:cs typeface="+mn-cs"/>
         </a:defRPr>
       </a:lvl3pPr>
-      <a:lvl4pPr marL="445770" algn="l" defTabSz="297180" rtl="0" eaLnBrk="1" latinLnBrk="0" hangingPunct="1">
-        <a:defRPr kumimoji="1" sz="585" kern="1200">
+      <a:lvl4pPr marL="540548" algn="l" defTabSz="360365" rtl="0" eaLnBrk="1" latinLnBrk="0" hangingPunct="1">
+        <a:defRPr kumimoji="1" sz="709" kern="1200">
           <a:solidFill>
             <a:schemeClr val="tx1"/>
           </a:solidFill>
@@ -3187,8 +3187,8 @@
           <a:cs typeface="+mn-cs"/>
         </a:defRPr>
       </a:lvl4pPr>
-      <a:lvl5pPr marL="594360" algn="l" defTabSz="297180" rtl="0" eaLnBrk="1" latinLnBrk="0" hangingPunct="1">
-        <a:defRPr kumimoji="1" sz="585" kern="1200">
+      <a:lvl5pPr marL="720730" algn="l" defTabSz="360365" rtl="0" eaLnBrk="1" latinLnBrk="0" hangingPunct="1">
+        <a:defRPr kumimoji="1" sz="709" kern="1200">
           <a:solidFill>
             <a:schemeClr val="tx1"/>
           </a:solidFill>
@@ -3197,8 +3197,8 @@
           <a:cs typeface="+mn-cs"/>
         </a:defRPr>
       </a:lvl5pPr>
-      <a:lvl6pPr marL="742950" algn="l" defTabSz="297180" rtl="0" eaLnBrk="1" latinLnBrk="0" hangingPunct="1">
-        <a:defRPr kumimoji="1" sz="585" kern="1200">
+      <a:lvl6pPr marL="900913" algn="l" defTabSz="360365" rtl="0" eaLnBrk="1" latinLnBrk="0" hangingPunct="1">
+        <a:defRPr kumimoji="1" sz="709" kern="1200">
           <a:solidFill>
             <a:schemeClr val="tx1"/>
           </a:solidFill>
@@ -3207,8 +3207,8 @@
           <a:cs typeface="+mn-cs"/>
         </a:defRPr>
       </a:lvl6pPr>
-      <a:lvl7pPr marL="891540" algn="l" defTabSz="297180" rtl="0" eaLnBrk="1" latinLnBrk="0" hangingPunct="1">
-        <a:defRPr kumimoji="1" sz="585" kern="1200">
+      <a:lvl7pPr marL="1081095" algn="l" defTabSz="360365" rtl="0" eaLnBrk="1" latinLnBrk="0" hangingPunct="1">
+        <a:defRPr kumimoji="1" sz="709" kern="1200">
           <a:solidFill>
             <a:schemeClr val="tx1"/>
           </a:solidFill>
@@ -3217,8 +3217,8 @@
           <a:cs typeface="+mn-cs"/>
         </a:defRPr>
       </a:lvl7pPr>
-      <a:lvl8pPr marL="1040130" algn="l" defTabSz="297180" rtl="0" eaLnBrk="1" latinLnBrk="0" hangingPunct="1">
-        <a:defRPr kumimoji="1" sz="585" kern="1200">
+      <a:lvl8pPr marL="1261278" algn="l" defTabSz="360365" rtl="0" eaLnBrk="1" latinLnBrk="0" hangingPunct="1">
+        <a:defRPr kumimoji="1" sz="709" kern="1200">
           <a:solidFill>
             <a:schemeClr val="tx1"/>
           </a:solidFill>
@@ -3227,8 +3227,8 @@
           <a:cs typeface="+mn-cs"/>
         </a:defRPr>
       </a:lvl8pPr>
-      <a:lvl9pPr marL="1188720" algn="l" defTabSz="297180" rtl="0" eaLnBrk="1" latinLnBrk="0" hangingPunct="1">
-        <a:defRPr kumimoji="1" sz="585" kern="1200">
+      <a:lvl9pPr marL="1441460" algn="l" defTabSz="360365" rtl="0" eaLnBrk="1" latinLnBrk="0" hangingPunct="1">
+        <a:defRPr kumimoji="1" sz="709" kern="1200">
           <a:solidFill>
             <a:schemeClr val="tx1"/>
           </a:solidFill>
@@ -3261,10 +3261,10 @@
       </p:grpSpPr>
       <p:sp>
         <p:nvSpPr>
-          <p:cNvPr id="5" name="Text Box 19" descr="141">
+          <p:cNvPr id="11" name="テキスト ボックス 10">
             <a:extLst>
               <a:ext uri="{FF2B5EF4-FFF2-40B4-BE49-F238E27FC236}">
-                <a16:creationId xmlns:a16="http://schemas.microsoft.com/office/drawing/2014/main" id="{D269D3EA-B965-C009-1612-CFDE496485BA}"/>
+                <a16:creationId xmlns:a16="http://schemas.microsoft.com/office/drawing/2014/main" id="{6E52B16B-4E31-A415-412B-B47F5C32F762}"/>
               </a:ext>
             </a:extLst>
           </p:cNvPr>
@@ -3275,8 +3275,258 @@
         </p:nvSpPr>
         <p:spPr bwMode="auto">
           <a:xfrm>
-            <a:off x="1330325" y="355025"/>
-            <a:ext cx="555625" cy="248225"/>
+            <a:off x="2791846" y="886141"/>
+            <a:ext cx="488659" cy="3434867"/>
+          </a:xfrm>
+          <a:prstGeom prst="rect">
+            <a:avLst/>
+          </a:prstGeom>
+          <a:noFill/>
+          <a:ln>
+            <a:noFill/>
+          </a:ln>
+          <a:extLst>
+            <a:ext uri="{909E8E84-426E-40DD-AFC4-6F175D3DCCD1}">
+              <a14:hiddenFill xmlns:a14="http://schemas.microsoft.com/office/drawing/2010/main">
+                <a:solidFill>
+                  <a:srgbClr val="FFFFFF"/>
+                </a:solidFill>
+              </a14:hiddenFill>
+            </a:ext>
+            <a:ext uri="{91240B29-F687-4F45-9708-019B960494DF}">
+              <a14:hiddenLine xmlns:a14="http://schemas.microsoft.com/office/drawing/2010/main" w="6350">
+                <a:solidFill>
+                  <a:srgbClr val="000000"/>
+                </a:solidFill>
+                <a:miter lim="800000"/>
+                <a:headEnd/>
+                <a:tailEnd/>
+              </a14:hiddenLine>
+            </a:ext>
+          </a:extLst>
+        </p:spPr>
+        <p:txBody>
+          <a:bodyPr vert="eaVert" wrap="square" lIns="106617" tIns="53308" rIns="106617" bIns="53308" numCol="1" anchor="t" anchorCtr="0" compatLnSpc="1">
+            <a:prstTxWarp prst="textNoShape">
+              <a:avLst/>
+            </a:prstTxWarp>
+          </a:bodyPr>
+          <a:lstStyle/>
+          <a:p>
+            <a:pPr defTabSz="1066356" eaLnBrk="0" fontAlgn="base" hangingPunct="0">
+              <a:spcBef>
+                <a:spcPct val="0"/>
+              </a:spcBef>
+              <a:spcAft>
+                <a:spcPct val="0"/>
+              </a:spcAft>
+            </a:pPr>
+            <a:r>
+              <a:rPr lang="ja-JP" altLang="ja-JP" sz="1399" b="1">
+                <a:latin typeface="AGENDAJinmeiSeikaishotaiL1" panose="03000609000000000000" pitchFamily="66" charset="-128"/>
+                <a:ea typeface="AGENDAJinmeiSeikaishotaiL1" panose="03000609000000000000" pitchFamily="66" charset="-128"/>
+                <a:cs typeface="Times New Roman" panose="02020603050405020304" pitchFamily="18" charset="0"/>
+              </a:rPr>
+              <a:t>住所</a:t>
+            </a:r>
+            <a:r>
+              <a:rPr lang="en-US" altLang="ja-JP" sz="1399" b="1" dirty="0">
+                <a:latin typeface="AGENDAJinmeiSeikaishotaiL1" panose="03000609000000000000" pitchFamily="66" charset="-128"/>
+                <a:ea typeface="AGENDAJinmeiSeikaishotaiL1" panose="03000609000000000000" pitchFamily="66" charset="-128"/>
+                <a:cs typeface="Times New Roman" panose="02020603050405020304" pitchFamily="18" charset="0"/>
+              </a:rPr>
+              <a:t>1</a:t>
+            </a:r>
+            <a:endParaRPr lang="ja-JP" altLang="ja-JP" sz="1399">
+              <a:latin typeface="AGENDAJinmeiSeikaishotaiL1" panose="03000609000000000000" pitchFamily="66" charset="-128"/>
+              <a:ea typeface="AGENDAJinmeiSeikaishotaiL1" panose="03000609000000000000" pitchFamily="66" charset="-128"/>
+            </a:endParaRPr>
+          </a:p>
+        </p:txBody>
+      </p:sp>
+      <p:sp>
+        <p:nvSpPr>
+          <p:cNvPr id="12" name="テキスト ボックス 11">
+            <a:extLst>
+              <a:ext uri="{FF2B5EF4-FFF2-40B4-BE49-F238E27FC236}">
+                <a16:creationId xmlns:a16="http://schemas.microsoft.com/office/drawing/2014/main" id="{ED6B5C9A-8086-AC28-F80D-8ACE5D25F361}"/>
+              </a:ext>
+            </a:extLst>
+          </p:cNvPr>
+          <p:cNvSpPr txBox="1">
+            <a:spLocks noChangeArrowheads="1"/>
+          </p:cNvSpPr>
+          <p:nvPr/>
+        </p:nvSpPr>
+        <p:spPr bwMode="auto">
+          <a:xfrm>
+            <a:off x="2547515" y="1090161"/>
+            <a:ext cx="488659" cy="3240043"/>
+          </a:xfrm>
+          <a:prstGeom prst="rect">
+            <a:avLst/>
+          </a:prstGeom>
+          <a:noFill/>
+          <a:ln>
+            <a:noFill/>
+          </a:ln>
+          <a:extLst>
+            <a:ext uri="{909E8E84-426E-40DD-AFC4-6F175D3DCCD1}">
+              <a14:hiddenFill xmlns:a14="http://schemas.microsoft.com/office/drawing/2010/main">
+                <a:solidFill>
+                  <a:srgbClr val="FFFFFF"/>
+                </a:solidFill>
+              </a14:hiddenFill>
+            </a:ext>
+            <a:ext uri="{91240B29-F687-4F45-9708-019B960494DF}">
+              <a14:hiddenLine xmlns:a14="http://schemas.microsoft.com/office/drawing/2010/main" w="6350">
+                <a:solidFill>
+                  <a:srgbClr val="000000"/>
+                </a:solidFill>
+                <a:miter lim="800000"/>
+                <a:headEnd/>
+                <a:tailEnd/>
+              </a14:hiddenLine>
+            </a:ext>
+          </a:extLst>
+        </p:spPr>
+        <p:txBody>
+          <a:bodyPr vert="eaVert" wrap="square" lIns="106617" tIns="53308" rIns="106617" bIns="53308" numCol="1" anchor="t" anchorCtr="0" compatLnSpc="1">
+            <a:prstTxWarp prst="textNoShape">
+              <a:avLst/>
+            </a:prstTxWarp>
+          </a:bodyPr>
+          <a:lstStyle/>
+          <a:p>
+            <a:pPr defTabSz="1066356" eaLnBrk="0" fontAlgn="base" hangingPunct="0">
+              <a:spcBef>
+                <a:spcPct val="0"/>
+              </a:spcBef>
+              <a:spcAft>
+                <a:spcPct val="0"/>
+              </a:spcAft>
+            </a:pPr>
+            <a:r>
+              <a:rPr lang="ja-JP" altLang="en-US" sz="1399" b="1">
+                <a:latin typeface="AGENDAJinmeiSeikaishotaiL1" panose="03000609000000000000" pitchFamily="66" charset="-128"/>
+                <a:ea typeface="AGENDAJinmeiSeikaishotaiL1" panose="03000609000000000000" pitchFamily="66" charset="-128"/>
+                <a:cs typeface="Times New Roman" panose="02020603050405020304" pitchFamily="18" charset="0"/>
+              </a:rPr>
+              <a:t>住所</a:t>
+            </a:r>
+            <a:r>
+              <a:rPr lang="en-US" altLang="ja-JP" sz="1399" b="1" dirty="0">
+                <a:latin typeface="AGENDAJinmeiSeikaishotaiL1" panose="03000609000000000000" pitchFamily="66" charset="-128"/>
+                <a:ea typeface="AGENDAJinmeiSeikaishotaiL1" panose="03000609000000000000" pitchFamily="66" charset="-128"/>
+                <a:cs typeface="Times New Roman" panose="02020603050405020304" pitchFamily="18" charset="0"/>
+              </a:rPr>
+              <a:t>2</a:t>
+            </a:r>
+            <a:endParaRPr lang="ja-JP" altLang="ja-JP" sz="1866">
+              <a:latin typeface="AGENDAJinmeiSeikaishotaiL1" panose="03000609000000000000" pitchFamily="66" charset="-128"/>
+              <a:ea typeface="AGENDAJinmeiSeikaishotaiL1" panose="03000609000000000000" pitchFamily="66" charset="-128"/>
+            </a:endParaRPr>
+          </a:p>
+        </p:txBody>
+      </p:sp>
+      <p:sp>
+        <p:nvSpPr>
+          <p:cNvPr id="13" name="テキスト ボックス 12">
+            <a:extLst>
+              <a:ext uri="{FF2B5EF4-FFF2-40B4-BE49-F238E27FC236}">
+                <a16:creationId xmlns:a16="http://schemas.microsoft.com/office/drawing/2014/main" id="{6B0472BC-AE4A-A8D5-8596-ACDE0B692E86}"/>
+              </a:ext>
+            </a:extLst>
+          </p:cNvPr>
+          <p:cNvSpPr txBox="1">
+            <a:spLocks noChangeArrowheads="1"/>
+          </p:cNvSpPr>
+          <p:nvPr/>
+        </p:nvSpPr>
+        <p:spPr bwMode="auto">
+          <a:xfrm>
+            <a:off x="829664" y="877353"/>
+            <a:ext cx="1944296" cy="3463532"/>
+          </a:xfrm>
+          <a:prstGeom prst="rect">
+            <a:avLst/>
+          </a:prstGeom>
+          <a:noFill/>
+          <a:ln>
+            <a:noFill/>
+          </a:ln>
+          <a:extLst>
+            <a:ext uri="{909E8E84-426E-40DD-AFC4-6F175D3DCCD1}">
+              <a14:hiddenFill xmlns:a14="http://schemas.microsoft.com/office/drawing/2010/main">
+                <a:solidFill>
+                  <a:srgbClr val="FFFFFF"/>
+                </a:solidFill>
+              </a14:hiddenFill>
+            </a:ext>
+            <a:ext uri="{91240B29-F687-4F45-9708-019B960494DF}">
+              <a14:hiddenLine xmlns:a14="http://schemas.microsoft.com/office/drawing/2010/main" w="6350">
+                <a:solidFill>
+                  <a:srgbClr val="000000"/>
+                </a:solidFill>
+                <a:miter lim="800000"/>
+                <a:headEnd/>
+                <a:tailEnd/>
+              </a14:hiddenLine>
+            </a:ext>
+          </a:extLst>
+        </p:spPr>
+        <p:txBody>
+          <a:bodyPr vert="eaVert" wrap="square" lIns="0" tIns="0" rIns="0" bIns="0" numCol="1" anchor="ctr" anchorCtr="1" compatLnSpc="1">
+            <a:prstTxWarp prst="textNoShape">
+              <a:avLst/>
+            </a:prstTxWarp>
+          </a:bodyPr>
+          <a:lstStyle/>
+          <a:p>
+            <a:pPr defTabSz="1066356" eaLnBrk="0" fontAlgn="base" hangingPunct="0">
+              <a:lnSpc>
+                <a:spcPct val="85000"/>
+              </a:lnSpc>
+              <a:spcBef>
+                <a:spcPct val="0"/>
+              </a:spcBef>
+              <a:spcAft>
+                <a:spcPct val="0"/>
+              </a:spcAft>
+            </a:pPr>
+            <a:r>
+              <a:rPr lang="ja-JP" altLang="en-US" sz="2450" b="1" spc="583">
+                <a:latin typeface="AGENDAJinmeiSeikaishotaiL1" panose="03000609000000000000" pitchFamily="66" charset="-128"/>
+                <a:ea typeface="AGENDAJinmeiSeikaishotaiL1" panose="03000609000000000000" pitchFamily="66" charset="-128"/>
+                <a:cs typeface="Times New Roman" panose="02020603050405020304" pitchFamily="18" charset="0"/>
+              </a:rPr>
+              <a:t>名前</a:t>
+            </a:r>
+            <a:endParaRPr lang="ja-JP" altLang="ja-JP" sz="2450" spc="583">
+              <a:latin typeface="HOT-Kaishokk R" panose="02020400000000000000" pitchFamily="18" charset="-128"/>
+              <a:ea typeface="HOT-Kaishokk R" panose="02020400000000000000" pitchFamily="18" charset="-128"/>
+            </a:endParaRPr>
+          </a:p>
+        </p:txBody>
+      </p:sp>
+      <p:sp>
+        <p:nvSpPr>
+          <p:cNvPr id="26" name="Text Box 19" descr="141">
+            <a:extLst>
+              <a:ext uri="{FF2B5EF4-FFF2-40B4-BE49-F238E27FC236}">
+                <a16:creationId xmlns:a16="http://schemas.microsoft.com/office/drawing/2014/main" id="{77B075E9-294E-CB37-F916-9D830F17BC76}"/>
+              </a:ext>
+            </a:extLst>
+          </p:cNvPr>
+          <p:cNvSpPr txBox="1">
+            <a:spLocks noChangeArrowheads="1"/>
+          </p:cNvSpPr>
+          <p:nvPr/>
+        </p:nvSpPr>
+        <p:spPr bwMode="auto">
+          <a:xfrm>
+            <a:off x="274996" y="4348142"/>
+            <a:ext cx="365183" cy="289423"/>
           </a:xfrm>
           <a:prstGeom prst="rect">
             <a:avLst/>
@@ -3746,78 +3996,51 @@
             </a:lvl9pPr>
           </a:lstStyle>
           <a:p>
-            <a:pPr marL="0" marR="0" lvl="0" indent="0" algn="dist" defTabSz="914400" rtl="0" eaLnBrk="0" fontAlgn="base" latinLnBrk="0" hangingPunct="0">
-              <a:lnSpc>
-                <a:spcPct val="100000"/>
-              </a:lnSpc>
-              <a:spcBef>
-                <a:spcPct val="0"/>
-              </a:spcBef>
-              <a:spcAft>
-                <a:spcPct val="0"/>
-              </a:spcAft>
-              <a:buClrTx/>
-              <a:buSzTx/>
-              <a:buFontTx/>
-              <a:buNone/>
+            <a:pPr algn="dist" defTabSz="1066356">
               <a:tabLst>
-                <a:tab pos="12700" algn="l"/>
-                <a:tab pos="25400" algn="l"/>
-                <a:tab pos="38100" algn="l"/>
-                <a:tab pos="50800" algn="l"/>
-                <a:tab pos="63500" algn="l"/>
-                <a:tab pos="76200" algn="l"/>
-                <a:tab pos="88900" algn="l"/>
-                <a:tab pos="101600" algn="l"/>
-                <a:tab pos="114300" algn="l"/>
-                <a:tab pos="127000" algn="l"/>
-                <a:tab pos="139700" algn="l"/>
-                <a:tab pos="152400" algn="l"/>
-                <a:tab pos="165100" algn="l"/>
-                <a:tab pos="177800" algn="l"/>
-                <a:tab pos="190500" algn="l"/>
-                <a:tab pos="203200" algn="l"/>
-                <a:tab pos="215900" algn="l"/>
-                <a:tab pos="228600" algn="l"/>
-                <a:tab pos="241300" algn="l"/>
-                <a:tab pos="254000" algn="l"/>
-                <a:tab pos="266700" algn="l"/>
-                <a:tab pos="279400" algn="l"/>
-                <a:tab pos="292100" algn="l"/>
-                <a:tab pos="304800" algn="l"/>
-                <a:tab pos="317500" algn="l"/>
-                <a:tab pos="330200" algn="l"/>
-                <a:tab pos="342900" algn="l"/>
-                <a:tab pos="355600" algn="l"/>
-                <a:tab pos="368300" algn="l"/>
-                <a:tab pos="381000" algn="l"/>
-                <a:tab pos="393700" algn="l"/>
-                <a:tab pos="406400" algn="l"/>
+                <a:tab pos="14811" algn="l"/>
+                <a:tab pos="29621" algn="l"/>
+                <a:tab pos="44432" algn="l"/>
+                <a:tab pos="59242" algn="l"/>
+                <a:tab pos="74053" algn="l"/>
+                <a:tab pos="88863" algn="l"/>
+                <a:tab pos="103674" algn="l"/>
+                <a:tab pos="118484" algn="l"/>
+                <a:tab pos="133295" algn="l"/>
+                <a:tab pos="148105" algn="l"/>
+                <a:tab pos="162916" algn="l"/>
+                <a:tab pos="177726" algn="l"/>
+                <a:tab pos="192537" algn="l"/>
+                <a:tab pos="207347" algn="l"/>
+                <a:tab pos="222157" algn="l"/>
+                <a:tab pos="236969" algn="l"/>
+                <a:tab pos="251779" algn="l"/>
+                <a:tab pos="266590" algn="l"/>
+                <a:tab pos="281400" algn="l"/>
+                <a:tab pos="296211" algn="l"/>
+                <a:tab pos="311021" algn="l"/>
+                <a:tab pos="325832" algn="l"/>
+                <a:tab pos="340641" algn="l"/>
+                <a:tab pos="355453" algn="l"/>
+                <a:tab pos="370263" algn="l"/>
+                <a:tab pos="385074" algn="l"/>
+                <a:tab pos="399883" algn="l"/>
+                <a:tab pos="414695" algn="l"/>
+                <a:tab pos="429505" algn="l"/>
+                <a:tab pos="444316" algn="l"/>
+                <a:tab pos="459125" algn="l"/>
+                <a:tab pos="473936" algn="l"/>
               </a:tabLst>
             </a:pPr>
             <a:r>
-              <a:rPr kumimoji="0" lang="en-US" altLang="ja-JP" sz="1600" b="0" i="0" u="none" strike="noStrike" cap="none" normalizeH="0" baseline="0" dirty="0">
-                <a:ln>
-                  <a:noFill/>
-                </a:ln>
-                <a:solidFill>
-                  <a:schemeClr val="tx1"/>
-                </a:solidFill>
-                <a:effectLst/>
+              <a:rPr lang="en-US" altLang="ja-JP" sz="1166" dirty="0">
                 <a:latin typeface="OCRB" panose="020B0609020202020204" pitchFamily="49" charset="0"/>
                 <a:ea typeface="OCRB" panose="020B0609020202020204" pitchFamily="49" charset="0"/>
                 <a:cs typeface="Times New Roman" panose="02020603050405020304" pitchFamily="18" charset="0"/>
               </a:rPr>
-              <a:t>123</a:t>
-            </a:r>
-            <a:endParaRPr kumimoji="0" lang="ja-JP" altLang="ja-JP" sz="1600" b="0" i="0" u="none" strike="noStrike" cap="none" normalizeH="0" baseline="0">
-              <a:ln>
-                <a:noFill/>
-              </a:ln>
-              <a:solidFill>
-                <a:schemeClr val="tx1"/>
-              </a:solidFill>
-              <a:effectLst/>
+              <a:t>987</a:t>
+            </a:r>
+            <a:endParaRPr lang="ja-JP" altLang="ja-JP" sz="1166">
               <a:latin typeface="OCRB" panose="020B0609020202020204" pitchFamily="49" charset="0"/>
             </a:endParaRPr>
           </a:p>
@@ -3825,10 +4048,10 @@
       </p:sp>
       <p:sp>
         <p:nvSpPr>
-          <p:cNvPr id="11" name="テキスト ボックス 10">
+          <p:cNvPr id="27" name="Text Box 19" descr="141">
             <a:extLst>
               <a:ext uri="{FF2B5EF4-FFF2-40B4-BE49-F238E27FC236}">
-                <a16:creationId xmlns:a16="http://schemas.microsoft.com/office/drawing/2014/main" id="{6E52B16B-4E31-A415-412B-B47F5C32F762}"/>
+                <a16:creationId xmlns:a16="http://schemas.microsoft.com/office/drawing/2014/main" id="{36EF4EB4-92CF-D5F6-D85B-D684878DF50E}"/>
               </a:ext>
             </a:extLst>
           </p:cNvPr>
@@ -3839,318 +4062,8 @@
         </p:nvSpPr>
         <p:spPr bwMode="auto">
           <a:xfrm>
-            <a:off x="2301875" y="933718"/>
-            <a:ext cx="419100" cy="3587750"/>
-          </a:xfrm>
-          <a:prstGeom prst="rect">
-            <a:avLst/>
-          </a:prstGeom>
-          <a:noFill/>
-          <a:ln>
-            <a:noFill/>
-          </a:ln>
-          <a:extLst>
-            <a:ext uri="{909E8E84-426E-40DD-AFC4-6F175D3DCCD1}">
-              <a14:hiddenFill xmlns:a14="http://schemas.microsoft.com/office/drawing/2010/main">
-                <a:solidFill>
-                  <a:srgbClr val="FFFFFF"/>
-                </a:solidFill>
-              </a14:hiddenFill>
-            </a:ext>
-            <a:ext uri="{91240B29-F687-4F45-9708-019B960494DF}">
-              <a14:hiddenLine xmlns:a14="http://schemas.microsoft.com/office/drawing/2010/main" w="6350">
-                <a:solidFill>
-                  <a:srgbClr val="000000"/>
-                </a:solidFill>
-                <a:miter lim="800000"/>
-                <a:headEnd/>
-                <a:tailEnd/>
-              </a14:hiddenLine>
-            </a:ext>
-          </a:extLst>
-        </p:spPr>
-        <p:txBody>
-          <a:bodyPr vert="eaVert" wrap="square" lIns="91440" tIns="45720" rIns="91440" bIns="45720" numCol="1" anchor="t" anchorCtr="0" compatLnSpc="1">
-            <a:prstTxWarp prst="textNoShape">
-              <a:avLst/>
-            </a:prstTxWarp>
-          </a:bodyPr>
-          <a:lstStyle/>
-          <a:p>
-            <a:pPr marL="0" marR="0" lvl="0" indent="0" algn="l" defTabSz="914400" rtl="0" eaLnBrk="0" fontAlgn="base" latinLnBrk="0" hangingPunct="0">
-              <a:lnSpc>
-                <a:spcPct val="100000"/>
-              </a:lnSpc>
-              <a:spcBef>
-                <a:spcPct val="0"/>
-              </a:spcBef>
-              <a:spcAft>
-                <a:spcPct val="0"/>
-              </a:spcAft>
-              <a:buClrTx/>
-              <a:buSzTx/>
-              <a:buFontTx/>
-              <a:buNone/>
-              <a:tabLst/>
-            </a:pPr>
-            <a:r>
-              <a:rPr kumimoji="0" lang="ja-JP" altLang="ja-JP" sz="1200" b="1" i="0" u="none" strike="noStrike" cap="none" normalizeH="0" baseline="0">
-                <a:ln>
-                  <a:noFill/>
-                </a:ln>
-                <a:solidFill>
-                  <a:schemeClr val="tx1"/>
-                </a:solidFill>
-                <a:effectLst/>
-                <a:latin typeface="Arial" panose="020B0604020202020204" pitchFamily="34" charset="0"/>
-                <a:ea typeface="游教科書体" panose="02000500000000000000" pitchFamily="2" charset="-128"/>
-                <a:cs typeface="Times New Roman" panose="02020603050405020304" pitchFamily="18" charset="0"/>
-              </a:rPr>
-              <a:t>住所</a:t>
-            </a:r>
-            <a:r>
-              <a:rPr kumimoji="0" lang="en-US" altLang="ja-JP" sz="1200" b="1" i="0" u="none" strike="noStrike" cap="none" normalizeH="0" baseline="0" dirty="0">
-                <a:ln>
-                  <a:noFill/>
-                </a:ln>
-                <a:solidFill>
-                  <a:schemeClr val="tx1"/>
-                </a:solidFill>
-                <a:effectLst/>
-                <a:latin typeface="Arial" panose="020B0604020202020204" pitchFamily="34" charset="0"/>
-                <a:ea typeface="游教科書体" panose="02000500000000000000" pitchFamily="2" charset="-128"/>
-                <a:cs typeface="Times New Roman" panose="02020603050405020304" pitchFamily="18" charset="0"/>
-              </a:rPr>
-              <a:t>1</a:t>
-            </a:r>
-            <a:endParaRPr kumimoji="0" lang="ja-JP" altLang="ja-JP" sz="1200" b="0" i="0" u="none" strike="noStrike" cap="none" normalizeH="0" baseline="0">
-              <a:ln>
-                <a:noFill/>
-              </a:ln>
-              <a:solidFill>
-                <a:schemeClr val="tx1"/>
-              </a:solidFill>
-              <a:effectLst/>
-              <a:latin typeface="Arial" panose="020B0604020202020204" pitchFamily="34" charset="0"/>
-            </a:endParaRPr>
-          </a:p>
-        </p:txBody>
-      </p:sp>
-      <p:sp>
-        <p:nvSpPr>
-          <p:cNvPr id="12" name="テキスト ボックス 11">
-            <a:extLst>
-              <a:ext uri="{FF2B5EF4-FFF2-40B4-BE49-F238E27FC236}">
-                <a16:creationId xmlns:a16="http://schemas.microsoft.com/office/drawing/2014/main" id="{ED6B5C9A-8086-AC28-F80D-8ACE5D25F361}"/>
-              </a:ext>
-            </a:extLst>
-          </p:cNvPr>
-          <p:cNvSpPr txBox="1">
-            <a:spLocks noChangeArrowheads="1"/>
-          </p:cNvSpPr>
-          <p:nvPr/>
-        </p:nvSpPr>
-        <p:spPr bwMode="auto">
-          <a:xfrm>
-            <a:off x="2092325" y="1099491"/>
-            <a:ext cx="419100" cy="3403600"/>
-          </a:xfrm>
-          <a:prstGeom prst="rect">
-            <a:avLst/>
-          </a:prstGeom>
-          <a:noFill/>
-          <a:ln>
-            <a:noFill/>
-          </a:ln>
-          <a:extLst>
-            <a:ext uri="{909E8E84-426E-40DD-AFC4-6F175D3DCCD1}">
-              <a14:hiddenFill xmlns:a14="http://schemas.microsoft.com/office/drawing/2010/main">
-                <a:solidFill>
-                  <a:srgbClr val="FFFFFF"/>
-                </a:solidFill>
-              </a14:hiddenFill>
-            </a:ext>
-            <a:ext uri="{91240B29-F687-4F45-9708-019B960494DF}">
-              <a14:hiddenLine xmlns:a14="http://schemas.microsoft.com/office/drawing/2010/main" w="6350">
-                <a:solidFill>
-                  <a:srgbClr val="000000"/>
-                </a:solidFill>
-                <a:miter lim="800000"/>
-                <a:headEnd/>
-                <a:tailEnd/>
-              </a14:hiddenLine>
-            </a:ext>
-          </a:extLst>
-        </p:spPr>
-        <p:txBody>
-          <a:bodyPr vert="eaVert" wrap="square" lIns="91440" tIns="45720" rIns="91440" bIns="45720" numCol="1" anchor="t" anchorCtr="0" compatLnSpc="1">
-            <a:prstTxWarp prst="textNoShape">
-              <a:avLst/>
-            </a:prstTxWarp>
-          </a:bodyPr>
-          <a:lstStyle/>
-          <a:p>
-            <a:pPr marL="0" marR="0" lvl="0" indent="0" algn="l" defTabSz="914400" rtl="0" eaLnBrk="0" fontAlgn="base" latinLnBrk="0" hangingPunct="0">
-              <a:lnSpc>
-                <a:spcPct val="100000"/>
-              </a:lnSpc>
-              <a:spcBef>
-                <a:spcPct val="0"/>
-              </a:spcBef>
-              <a:spcAft>
-                <a:spcPct val="0"/>
-              </a:spcAft>
-              <a:buClrTx/>
-              <a:buSzTx/>
-              <a:buFontTx/>
-              <a:buNone/>
-              <a:tabLst/>
-            </a:pPr>
-            <a:r>
-              <a:rPr lang="ja-JP" altLang="en-US" sz="1200" b="1">
-                <a:latin typeface="Arial" panose="020B0604020202020204" pitchFamily="34" charset="0"/>
-                <a:ea typeface="游教科書体" panose="02000500000000000000" pitchFamily="2" charset="-128"/>
-                <a:cs typeface="Times New Roman" panose="02020603050405020304" pitchFamily="18" charset="0"/>
-              </a:rPr>
-              <a:t>住所</a:t>
-            </a:r>
-            <a:r>
-              <a:rPr lang="en-US" altLang="ja-JP" sz="1200" b="1" dirty="0">
-                <a:latin typeface="Arial" panose="020B0604020202020204" pitchFamily="34" charset="0"/>
-                <a:ea typeface="游教科書体" panose="02000500000000000000" pitchFamily="2" charset="-128"/>
-                <a:cs typeface="Times New Roman" panose="02020603050405020304" pitchFamily="18" charset="0"/>
-              </a:rPr>
-              <a:t>2</a:t>
-            </a:r>
-            <a:endParaRPr kumimoji="0" lang="ja-JP" altLang="ja-JP" sz="1600" b="0" i="0" u="none" strike="noStrike" cap="none" normalizeH="0" baseline="0">
-              <a:ln>
-                <a:noFill/>
-              </a:ln>
-              <a:solidFill>
-                <a:schemeClr val="tx1"/>
-              </a:solidFill>
-              <a:effectLst/>
-              <a:latin typeface="Arial" panose="020B0604020202020204" pitchFamily="34" charset="0"/>
-            </a:endParaRPr>
-          </a:p>
-        </p:txBody>
-      </p:sp>
-      <p:sp>
-        <p:nvSpPr>
-          <p:cNvPr id="13" name="テキスト ボックス 12">
-            <a:extLst>
-              <a:ext uri="{FF2B5EF4-FFF2-40B4-BE49-F238E27FC236}">
-                <a16:creationId xmlns:a16="http://schemas.microsoft.com/office/drawing/2014/main" id="{6B0472BC-AE4A-A8D5-8596-ACDE0B692E86}"/>
-              </a:ext>
-            </a:extLst>
-          </p:cNvPr>
-          <p:cNvSpPr txBox="1">
-            <a:spLocks noChangeArrowheads="1"/>
-          </p:cNvSpPr>
-          <p:nvPr/>
-        </p:nvSpPr>
-        <p:spPr bwMode="auto">
-          <a:xfrm>
-            <a:off x="477044" y="933718"/>
-            <a:ext cx="2017713" cy="2987900"/>
-          </a:xfrm>
-          <a:prstGeom prst="rect">
-            <a:avLst/>
-          </a:prstGeom>
-          <a:noFill/>
-          <a:ln>
-            <a:noFill/>
-          </a:ln>
-          <a:extLst>
-            <a:ext uri="{909E8E84-426E-40DD-AFC4-6F175D3DCCD1}">
-              <a14:hiddenFill xmlns:a14="http://schemas.microsoft.com/office/drawing/2010/main">
-                <a:solidFill>
-                  <a:srgbClr val="FFFFFF"/>
-                </a:solidFill>
-              </a14:hiddenFill>
-            </a:ext>
-            <a:ext uri="{91240B29-F687-4F45-9708-019B960494DF}">
-              <a14:hiddenLine xmlns:a14="http://schemas.microsoft.com/office/drawing/2010/main" w="6350">
-                <a:solidFill>
-                  <a:srgbClr val="000000"/>
-                </a:solidFill>
-                <a:miter lim="800000"/>
-                <a:headEnd/>
-                <a:tailEnd/>
-              </a14:hiddenLine>
-            </a:ext>
-          </a:extLst>
-        </p:spPr>
-        <p:txBody>
-          <a:bodyPr vert="eaVert" wrap="square" lIns="91440" tIns="45720" rIns="91440" bIns="45720" numCol="1" anchor="ctr" anchorCtr="0" compatLnSpc="1">
-            <a:prstTxWarp prst="textNoShape">
-              <a:avLst/>
-            </a:prstTxWarp>
-          </a:bodyPr>
-          <a:lstStyle/>
-          <a:p>
-            <a:pPr marL="0" marR="0" lvl="0" indent="0" algn="l" defTabSz="914400" rtl="0" eaLnBrk="0" fontAlgn="base" latinLnBrk="0" hangingPunct="0">
-              <a:lnSpc>
-                <a:spcPct val="100000"/>
-              </a:lnSpc>
-              <a:spcBef>
-                <a:spcPct val="0"/>
-              </a:spcBef>
-              <a:spcAft>
-                <a:spcPct val="0"/>
-              </a:spcAft>
-              <a:buClrTx/>
-              <a:buSzTx/>
-              <a:buFontTx/>
-              <a:buNone/>
-              <a:tabLst/>
-            </a:pPr>
-            <a:r>
-              <a:rPr kumimoji="0" lang="ja-JP" altLang="ja-JP" sz="2200" b="1" i="0" u="none" strike="noStrike" cap="none" spc="600" normalizeH="0">
-                <a:ln>
-                  <a:noFill/>
-                </a:ln>
-                <a:solidFill>
-                  <a:schemeClr val="tx1"/>
-                </a:solidFill>
-                <a:effectLst/>
-                <a:latin typeface="Arial" panose="020B0604020202020204" pitchFamily="34" charset="0"/>
-                <a:ea typeface="游教科書体" panose="02000500000000000000" pitchFamily="2" charset="-128"/>
-                <a:cs typeface="Times New Roman" panose="02020603050405020304" pitchFamily="18" charset="0"/>
-              </a:rPr>
-              <a:t>名前</a:t>
-            </a:r>
-            <a:endParaRPr kumimoji="0" lang="ja-JP" altLang="ja-JP" sz="2200" b="0" i="0" u="none" strike="noStrike" cap="none" spc="600" normalizeH="0">
-              <a:ln>
-                <a:noFill/>
-              </a:ln>
-              <a:solidFill>
-                <a:schemeClr val="tx1"/>
-              </a:solidFill>
-              <a:effectLst/>
-              <a:latin typeface="Arial" panose="020B0604020202020204" pitchFamily="34" charset="0"/>
-            </a:endParaRPr>
-          </a:p>
-        </p:txBody>
-      </p:sp>
-      <p:sp>
-        <p:nvSpPr>
-          <p:cNvPr id="25" name="Text Box 19" descr="141">
-            <a:extLst>
-              <a:ext uri="{FF2B5EF4-FFF2-40B4-BE49-F238E27FC236}">
-                <a16:creationId xmlns:a16="http://schemas.microsoft.com/office/drawing/2014/main" id="{76226A59-96FF-C2D8-C130-4BBF0C7B744C}"/>
-              </a:ext>
-            </a:extLst>
-          </p:cNvPr>
-          <p:cNvSpPr txBox="1">
-            <a:spLocks noChangeArrowheads="1"/>
-          </p:cNvSpPr>
-          <p:nvPr/>
-        </p:nvSpPr>
-        <p:spPr bwMode="auto">
-          <a:xfrm>
-            <a:off x="1971675" y="355024"/>
-            <a:ext cx="749300" cy="248225"/>
+            <a:off x="726632" y="4348142"/>
+            <a:ext cx="505547" cy="289423"/>
           </a:xfrm>
           <a:prstGeom prst="rect">
             <a:avLst/>
@@ -4620,78 +4533,51 @@
             </a:lvl9pPr>
           </a:lstStyle>
           <a:p>
-            <a:pPr marL="0" marR="0" lvl="0" indent="0" algn="dist" defTabSz="914400" rtl="0" eaLnBrk="0" fontAlgn="base" latinLnBrk="0" hangingPunct="0">
-              <a:lnSpc>
-                <a:spcPct val="100000"/>
-              </a:lnSpc>
-              <a:spcBef>
-                <a:spcPct val="0"/>
-              </a:spcBef>
-              <a:spcAft>
-                <a:spcPct val="0"/>
-              </a:spcAft>
-              <a:buClrTx/>
-              <a:buSzTx/>
-              <a:buFontTx/>
-              <a:buNone/>
+            <a:pPr algn="dist" defTabSz="1066356">
               <a:tabLst>
-                <a:tab pos="12700" algn="l"/>
-                <a:tab pos="25400" algn="l"/>
-                <a:tab pos="38100" algn="l"/>
-                <a:tab pos="50800" algn="l"/>
-                <a:tab pos="63500" algn="l"/>
-                <a:tab pos="76200" algn="l"/>
-                <a:tab pos="88900" algn="l"/>
-                <a:tab pos="101600" algn="l"/>
-                <a:tab pos="114300" algn="l"/>
-                <a:tab pos="127000" algn="l"/>
-                <a:tab pos="139700" algn="l"/>
-                <a:tab pos="152400" algn="l"/>
-                <a:tab pos="165100" algn="l"/>
-                <a:tab pos="177800" algn="l"/>
-                <a:tab pos="190500" algn="l"/>
-                <a:tab pos="203200" algn="l"/>
-                <a:tab pos="215900" algn="l"/>
-                <a:tab pos="228600" algn="l"/>
-                <a:tab pos="241300" algn="l"/>
-                <a:tab pos="254000" algn="l"/>
-                <a:tab pos="266700" algn="l"/>
-                <a:tab pos="279400" algn="l"/>
-                <a:tab pos="292100" algn="l"/>
-                <a:tab pos="304800" algn="l"/>
-                <a:tab pos="317500" algn="l"/>
-                <a:tab pos="330200" algn="l"/>
-                <a:tab pos="342900" algn="l"/>
-                <a:tab pos="355600" algn="l"/>
-                <a:tab pos="368300" algn="l"/>
-                <a:tab pos="381000" algn="l"/>
-                <a:tab pos="393700" algn="l"/>
-                <a:tab pos="406400" algn="l"/>
+                <a:tab pos="14811" algn="l"/>
+                <a:tab pos="29621" algn="l"/>
+                <a:tab pos="44432" algn="l"/>
+                <a:tab pos="59242" algn="l"/>
+                <a:tab pos="74053" algn="l"/>
+                <a:tab pos="88863" algn="l"/>
+                <a:tab pos="103674" algn="l"/>
+                <a:tab pos="118484" algn="l"/>
+                <a:tab pos="133295" algn="l"/>
+                <a:tab pos="148105" algn="l"/>
+                <a:tab pos="162916" algn="l"/>
+                <a:tab pos="177726" algn="l"/>
+                <a:tab pos="192537" algn="l"/>
+                <a:tab pos="207347" algn="l"/>
+                <a:tab pos="222157" algn="l"/>
+                <a:tab pos="236969" algn="l"/>
+                <a:tab pos="251779" algn="l"/>
+                <a:tab pos="266590" algn="l"/>
+                <a:tab pos="281400" algn="l"/>
+                <a:tab pos="296211" algn="l"/>
+                <a:tab pos="311021" algn="l"/>
+                <a:tab pos="325832" algn="l"/>
+                <a:tab pos="340641" algn="l"/>
+                <a:tab pos="355453" algn="l"/>
+                <a:tab pos="370263" algn="l"/>
+                <a:tab pos="385074" algn="l"/>
+                <a:tab pos="399883" algn="l"/>
+                <a:tab pos="414695" algn="l"/>
+                <a:tab pos="429505" algn="l"/>
+                <a:tab pos="444316" algn="l"/>
+                <a:tab pos="459125" algn="l"/>
+                <a:tab pos="473936" algn="l"/>
               </a:tabLst>
             </a:pPr>
             <a:r>
-              <a:rPr kumimoji="0" lang="en-US" altLang="ja-JP" sz="1600" b="0" i="0" u="none" strike="noStrike" cap="none" normalizeH="0" baseline="0" dirty="0">
-                <a:ln>
-                  <a:noFill/>
-                </a:ln>
-                <a:solidFill>
-                  <a:schemeClr val="tx1"/>
-                </a:solidFill>
-                <a:effectLst/>
+              <a:rPr lang="en-US" altLang="ja-JP" sz="1166" dirty="0">
                 <a:latin typeface="OCRB" panose="020B0609020202020204" pitchFamily="49" charset="0"/>
                 <a:ea typeface="OCRB" panose="020B0609020202020204" pitchFamily="49" charset="0"/>
                 <a:cs typeface="Times New Roman" panose="02020603050405020304" pitchFamily="18" charset="0"/>
               </a:rPr>
-              <a:t>4567</a:t>
-            </a:r>
-            <a:endParaRPr kumimoji="0" lang="ja-JP" altLang="ja-JP" sz="1600" b="0" i="0" u="none" strike="noStrike" cap="none" normalizeH="0" baseline="0">
-              <a:ln>
-                <a:noFill/>
-              </a:ln>
-              <a:solidFill>
-                <a:schemeClr val="tx1"/>
-              </a:solidFill>
-              <a:effectLst/>
+              <a:t>6543</a:t>
+            </a:r>
+            <a:endParaRPr lang="ja-JP" altLang="ja-JP" sz="1166">
               <a:latin typeface="OCRB" panose="020B0609020202020204" pitchFamily="49" charset="0"/>
             </a:endParaRPr>
           </a:p>
@@ -4699,10 +4585,10 @@
       </p:sp>
       <p:sp>
         <p:nvSpPr>
-          <p:cNvPr id="26" name="Text Box 19" descr="141">
+          <p:cNvPr id="5" name="Text Box 19" descr="141">
             <a:extLst>
               <a:ext uri="{FF2B5EF4-FFF2-40B4-BE49-F238E27FC236}">
-                <a16:creationId xmlns:a16="http://schemas.microsoft.com/office/drawing/2014/main" id="{77B075E9-294E-CB37-F916-9D830F17BC76}"/>
+                <a16:creationId xmlns:a16="http://schemas.microsoft.com/office/drawing/2014/main" id="{6587B574-9075-7B6B-4EAB-D60F4619517B}"/>
               </a:ext>
             </a:extLst>
           </p:cNvPr>
@@ -4713,8 +4599,8 @@
         </p:nvSpPr>
         <p:spPr bwMode="auto">
           <a:xfrm>
-            <a:off x="182105" y="3657657"/>
-            <a:ext cx="321060" cy="248225"/>
+            <a:off x="1630423" y="463573"/>
+            <a:ext cx="636737" cy="289423"/>
           </a:xfrm>
           <a:prstGeom prst="rect">
             <a:avLst/>
@@ -5184,78 +5070,51 @@
             </a:lvl9pPr>
           </a:lstStyle>
           <a:p>
-            <a:pPr marL="0" marR="0" lvl="0" indent="0" algn="dist" defTabSz="914400" rtl="0" eaLnBrk="0" fontAlgn="base" latinLnBrk="0" hangingPunct="0">
-              <a:lnSpc>
-                <a:spcPct val="100000"/>
-              </a:lnSpc>
-              <a:spcBef>
-                <a:spcPct val="0"/>
-              </a:spcBef>
-              <a:spcAft>
-                <a:spcPct val="0"/>
-              </a:spcAft>
-              <a:buClrTx/>
-              <a:buSzTx/>
-              <a:buFontTx/>
-              <a:buNone/>
+            <a:pPr algn="dist" defTabSz="1066356">
               <a:tabLst>
-                <a:tab pos="12700" algn="l"/>
-                <a:tab pos="25400" algn="l"/>
-                <a:tab pos="38100" algn="l"/>
-                <a:tab pos="50800" algn="l"/>
-                <a:tab pos="63500" algn="l"/>
-                <a:tab pos="76200" algn="l"/>
-                <a:tab pos="88900" algn="l"/>
-                <a:tab pos="101600" algn="l"/>
-                <a:tab pos="114300" algn="l"/>
-                <a:tab pos="127000" algn="l"/>
-                <a:tab pos="139700" algn="l"/>
-                <a:tab pos="152400" algn="l"/>
-                <a:tab pos="165100" algn="l"/>
-                <a:tab pos="177800" algn="l"/>
-                <a:tab pos="190500" algn="l"/>
-                <a:tab pos="203200" algn="l"/>
-                <a:tab pos="215900" algn="l"/>
-                <a:tab pos="228600" algn="l"/>
-                <a:tab pos="241300" algn="l"/>
-                <a:tab pos="254000" algn="l"/>
-                <a:tab pos="266700" algn="l"/>
-                <a:tab pos="279400" algn="l"/>
-                <a:tab pos="292100" algn="l"/>
-                <a:tab pos="304800" algn="l"/>
-                <a:tab pos="317500" algn="l"/>
-                <a:tab pos="330200" algn="l"/>
-                <a:tab pos="342900" algn="l"/>
-                <a:tab pos="355600" algn="l"/>
-                <a:tab pos="368300" algn="l"/>
-                <a:tab pos="381000" algn="l"/>
-                <a:tab pos="393700" algn="l"/>
-                <a:tab pos="406400" algn="l"/>
+                <a:tab pos="14811" algn="l"/>
+                <a:tab pos="29621" algn="l"/>
+                <a:tab pos="44432" algn="l"/>
+                <a:tab pos="59242" algn="l"/>
+                <a:tab pos="74053" algn="l"/>
+                <a:tab pos="88863" algn="l"/>
+                <a:tab pos="103674" algn="l"/>
+                <a:tab pos="118484" algn="l"/>
+                <a:tab pos="133295" algn="l"/>
+                <a:tab pos="148105" algn="l"/>
+                <a:tab pos="162916" algn="l"/>
+                <a:tab pos="177726" algn="l"/>
+                <a:tab pos="192537" algn="l"/>
+                <a:tab pos="207347" algn="l"/>
+                <a:tab pos="222157" algn="l"/>
+                <a:tab pos="236969" algn="l"/>
+                <a:tab pos="251779" algn="l"/>
+                <a:tab pos="266590" algn="l"/>
+                <a:tab pos="281400" algn="l"/>
+                <a:tab pos="296211" algn="l"/>
+                <a:tab pos="311021" algn="l"/>
+                <a:tab pos="325832" algn="l"/>
+                <a:tab pos="340641" algn="l"/>
+                <a:tab pos="355453" algn="l"/>
+                <a:tab pos="370263" algn="l"/>
+                <a:tab pos="385074" algn="l"/>
+                <a:tab pos="399883" algn="l"/>
+                <a:tab pos="414695" algn="l"/>
+                <a:tab pos="429505" algn="l"/>
+                <a:tab pos="444316" algn="l"/>
+                <a:tab pos="459125" algn="l"/>
+                <a:tab pos="473936" algn="l"/>
               </a:tabLst>
             </a:pPr>
             <a:r>
-              <a:rPr kumimoji="0" lang="en-US" altLang="ja-JP" sz="1000" b="0" i="0" u="none" strike="noStrike" cap="none" normalizeH="0" baseline="0" dirty="0">
-                <a:ln>
-                  <a:noFill/>
-                </a:ln>
-                <a:solidFill>
-                  <a:schemeClr val="tx1"/>
-                </a:solidFill>
-                <a:effectLst/>
+              <a:rPr lang="en-US" altLang="ja-JP" sz="1866" dirty="0">
                 <a:latin typeface="OCRB" panose="020B0609020202020204" pitchFamily="49" charset="0"/>
                 <a:ea typeface="OCRB" panose="020B0609020202020204" pitchFamily="49" charset="0"/>
                 <a:cs typeface="Times New Roman" panose="02020603050405020304" pitchFamily="18" charset="0"/>
               </a:rPr>
-              <a:t>100</a:t>
-            </a:r>
-            <a:endParaRPr kumimoji="0" lang="ja-JP" altLang="ja-JP" sz="1000" b="0" i="0" u="none" strike="noStrike" cap="none" normalizeH="0" baseline="0">
-              <a:ln>
-                <a:noFill/>
-              </a:ln>
-              <a:solidFill>
-                <a:schemeClr val="tx1"/>
-              </a:solidFill>
-              <a:effectLst/>
+              <a:t>123</a:t>
+            </a:r>
+            <a:endParaRPr lang="ja-JP" altLang="ja-JP" sz="1866">
               <a:latin typeface="OCRB" panose="020B0609020202020204" pitchFamily="49" charset="0"/>
             </a:endParaRPr>
           </a:p>
@@ -5263,10 +5122,10 @@
       </p:sp>
       <p:sp>
         <p:nvSpPr>
-          <p:cNvPr id="27" name="Text Box 19" descr="141">
+          <p:cNvPr id="8" name="Text Box 19" descr="141">
             <a:extLst>
               <a:ext uri="{FF2B5EF4-FFF2-40B4-BE49-F238E27FC236}">
-                <a16:creationId xmlns:a16="http://schemas.microsoft.com/office/drawing/2014/main" id="{36EF4EB4-92CF-D5F6-D85B-D684878DF50E}"/>
+                <a16:creationId xmlns:a16="http://schemas.microsoft.com/office/drawing/2014/main" id="{0F09D92D-D4F6-D47F-6A24-C4022400EFF3}"/>
               </a:ext>
             </a:extLst>
           </p:cNvPr>
@@ -5277,8 +5136,8 @@
         </p:nvSpPr>
         <p:spPr bwMode="auto">
           <a:xfrm>
-            <a:off x="581312" y="3657657"/>
-            <a:ext cx="433584" cy="248225"/>
+            <a:off x="2382779" y="463572"/>
+            <a:ext cx="847895" cy="289423"/>
           </a:xfrm>
           <a:prstGeom prst="rect">
             <a:avLst/>
@@ -5748,78 +5607,51 @@
             </a:lvl9pPr>
           </a:lstStyle>
           <a:p>
-            <a:pPr marL="0" marR="0" lvl="0" indent="0" algn="dist" defTabSz="914400" rtl="0" eaLnBrk="0" fontAlgn="base" latinLnBrk="0" hangingPunct="0">
-              <a:lnSpc>
-                <a:spcPct val="100000"/>
-              </a:lnSpc>
-              <a:spcBef>
-                <a:spcPct val="0"/>
-              </a:spcBef>
-              <a:spcAft>
-                <a:spcPct val="0"/>
-              </a:spcAft>
-              <a:buClrTx/>
-              <a:buSzTx/>
-              <a:buFontTx/>
-              <a:buNone/>
+            <a:pPr algn="dist" defTabSz="1066356">
               <a:tabLst>
-                <a:tab pos="12700" algn="l"/>
-                <a:tab pos="25400" algn="l"/>
-                <a:tab pos="38100" algn="l"/>
-                <a:tab pos="50800" algn="l"/>
-                <a:tab pos="63500" algn="l"/>
-                <a:tab pos="76200" algn="l"/>
-                <a:tab pos="88900" algn="l"/>
-                <a:tab pos="101600" algn="l"/>
-                <a:tab pos="114300" algn="l"/>
-                <a:tab pos="127000" algn="l"/>
-                <a:tab pos="139700" algn="l"/>
-                <a:tab pos="152400" algn="l"/>
-                <a:tab pos="165100" algn="l"/>
-                <a:tab pos="177800" algn="l"/>
-                <a:tab pos="190500" algn="l"/>
-                <a:tab pos="203200" algn="l"/>
-                <a:tab pos="215900" algn="l"/>
-                <a:tab pos="228600" algn="l"/>
-                <a:tab pos="241300" algn="l"/>
-                <a:tab pos="254000" algn="l"/>
-                <a:tab pos="266700" algn="l"/>
-                <a:tab pos="279400" algn="l"/>
-                <a:tab pos="292100" algn="l"/>
-                <a:tab pos="304800" algn="l"/>
-                <a:tab pos="317500" algn="l"/>
-                <a:tab pos="330200" algn="l"/>
-                <a:tab pos="342900" algn="l"/>
-                <a:tab pos="355600" algn="l"/>
-                <a:tab pos="368300" algn="l"/>
-                <a:tab pos="381000" algn="l"/>
-                <a:tab pos="393700" algn="l"/>
-                <a:tab pos="406400" algn="l"/>
+                <a:tab pos="14811" algn="l"/>
+                <a:tab pos="29621" algn="l"/>
+                <a:tab pos="44432" algn="l"/>
+                <a:tab pos="59242" algn="l"/>
+                <a:tab pos="74053" algn="l"/>
+                <a:tab pos="88863" algn="l"/>
+                <a:tab pos="103674" algn="l"/>
+                <a:tab pos="118484" algn="l"/>
+                <a:tab pos="133295" algn="l"/>
+                <a:tab pos="148105" algn="l"/>
+                <a:tab pos="162916" algn="l"/>
+                <a:tab pos="177726" algn="l"/>
+                <a:tab pos="192537" algn="l"/>
+                <a:tab pos="207347" algn="l"/>
+                <a:tab pos="222157" algn="l"/>
+                <a:tab pos="236969" algn="l"/>
+                <a:tab pos="251779" algn="l"/>
+                <a:tab pos="266590" algn="l"/>
+                <a:tab pos="281400" algn="l"/>
+                <a:tab pos="296211" algn="l"/>
+                <a:tab pos="311021" algn="l"/>
+                <a:tab pos="325832" algn="l"/>
+                <a:tab pos="340641" algn="l"/>
+                <a:tab pos="355453" algn="l"/>
+                <a:tab pos="370263" algn="l"/>
+                <a:tab pos="385074" algn="l"/>
+                <a:tab pos="399883" algn="l"/>
+                <a:tab pos="414695" algn="l"/>
+                <a:tab pos="429505" algn="l"/>
+                <a:tab pos="444316" algn="l"/>
+                <a:tab pos="459125" algn="l"/>
+                <a:tab pos="473936" algn="l"/>
               </a:tabLst>
             </a:pPr>
             <a:r>
-              <a:rPr kumimoji="0" lang="en-US" altLang="ja-JP" sz="1000" b="0" i="0" u="none" strike="noStrike" cap="none" normalizeH="0" baseline="0" dirty="0">
-                <a:ln>
-                  <a:noFill/>
-                </a:ln>
-                <a:solidFill>
-                  <a:schemeClr val="tx1"/>
-                </a:solidFill>
-                <a:effectLst/>
+              <a:rPr lang="en-US" altLang="ja-JP" sz="1866" dirty="0">
                 <a:latin typeface="OCRB" panose="020B0609020202020204" pitchFamily="49" charset="0"/>
                 <a:ea typeface="OCRB" panose="020B0609020202020204" pitchFamily="49" charset="0"/>
                 <a:cs typeface="Times New Roman" panose="02020603050405020304" pitchFamily="18" charset="0"/>
               </a:rPr>
-              <a:t>0001</a:t>
-            </a:r>
-            <a:endParaRPr kumimoji="0" lang="ja-JP" altLang="ja-JP" sz="1000" b="0" i="0" u="none" strike="noStrike" cap="none" normalizeH="0" baseline="0">
-              <a:ln>
-                <a:noFill/>
-              </a:ln>
-              <a:solidFill>
-                <a:schemeClr val="tx1"/>
-              </a:solidFill>
-              <a:effectLst/>
+              <a:t>4567</a:t>
+            </a:r>
+            <a:endParaRPr lang="ja-JP" altLang="ja-JP" sz="1866">
               <a:latin typeface="OCRB" panose="020B0609020202020204" pitchFamily="49" charset="0"/>
             </a:endParaRPr>
           </a:p>
